--- a/img/FIG1.pptx
+++ b/img/FIG1.pptx
@@ -2,18 +2,18 @@
 <file path=ppt/presentation.xml><?xml version="1.0" encoding="utf-8"?>
 <p:presentation xmlns:a="http://schemas.openxmlformats.org/drawingml/2006/main" xmlns:r="http://schemas.openxmlformats.org/officeDocument/2006/relationships" xmlns:p="http://schemas.openxmlformats.org/presentationml/2006/main" saveSubsetFonts="1">
   <p:sldMasterIdLst>
-    <p:sldMasterId id="2147483648" r:id="rId1"/>
+    <p:sldMasterId id="2147483660" r:id="rId1"/>
   </p:sldMasterIdLst>
   <p:sldIdLst>
     <p:sldId id="256" r:id="rId2"/>
   </p:sldIdLst>
-  <p:sldSz cx="12192000" cy="6858000"/>
+  <p:sldSz cx="12192000" cy="8999538"/>
   <p:notesSz cx="6858000" cy="9144000"/>
   <p:defaultTextStyle>
     <a:defPPr>
-      <a:defRPr lang="zh-CN"/>
+      <a:defRPr lang="en-US"/>
     </a:defPPr>
-    <a:lvl1pPr marL="0" algn="l" defTabSz="914400" rtl="0" eaLnBrk="1" latinLnBrk="0" hangingPunct="1">
+    <a:lvl1pPr marL="0" algn="l" defTabSz="457200" rtl="0" eaLnBrk="1" latinLnBrk="0" hangingPunct="1">
       <a:defRPr sz="1800" kern="1200">
         <a:solidFill>
           <a:schemeClr val="tx1"/>
@@ -23,7 +23,7 @@
         <a:cs typeface="+mn-cs"/>
       </a:defRPr>
     </a:lvl1pPr>
-    <a:lvl2pPr marL="457200" algn="l" defTabSz="914400" rtl="0" eaLnBrk="1" latinLnBrk="0" hangingPunct="1">
+    <a:lvl2pPr marL="457200" algn="l" defTabSz="457200" rtl="0" eaLnBrk="1" latinLnBrk="0" hangingPunct="1">
       <a:defRPr sz="1800" kern="1200">
         <a:solidFill>
           <a:schemeClr val="tx1"/>
@@ -33,7 +33,7 @@
         <a:cs typeface="+mn-cs"/>
       </a:defRPr>
     </a:lvl2pPr>
-    <a:lvl3pPr marL="914400" algn="l" defTabSz="914400" rtl="0" eaLnBrk="1" latinLnBrk="0" hangingPunct="1">
+    <a:lvl3pPr marL="914400" algn="l" defTabSz="457200" rtl="0" eaLnBrk="1" latinLnBrk="0" hangingPunct="1">
       <a:defRPr sz="1800" kern="1200">
         <a:solidFill>
           <a:schemeClr val="tx1"/>
@@ -43,7 +43,7 @@
         <a:cs typeface="+mn-cs"/>
       </a:defRPr>
     </a:lvl3pPr>
-    <a:lvl4pPr marL="1371600" algn="l" defTabSz="914400" rtl="0" eaLnBrk="1" latinLnBrk="0" hangingPunct="1">
+    <a:lvl4pPr marL="1371600" algn="l" defTabSz="457200" rtl="0" eaLnBrk="1" latinLnBrk="0" hangingPunct="1">
       <a:defRPr sz="1800" kern="1200">
         <a:solidFill>
           <a:schemeClr val="tx1"/>
@@ -53,7 +53,7 @@
         <a:cs typeface="+mn-cs"/>
       </a:defRPr>
     </a:lvl4pPr>
-    <a:lvl5pPr marL="1828800" algn="l" defTabSz="914400" rtl="0" eaLnBrk="1" latinLnBrk="0" hangingPunct="1">
+    <a:lvl5pPr marL="1828800" algn="l" defTabSz="457200" rtl="0" eaLnBrk="1" latinLnBrk="0" hangingPunct="1">
       <a:defRPr sz="1800" kern="1200">
         <a:solidFill>
           <a:schemeClr val="tx1"/>
@@ -63,7 +63,7 @@
         <a:cs typeface="+mn-cs"/>
       </a:defRPr>
     </a:lvl5pPr>
-    <a:lvl6pPr marL="2286000" algn="l" defTabSz="914400" rtl="0" eaLnBrk="1" latinLnBrk="0" hangingPunct="1">
+    <a:lvl6pPr marL="2286000" algn="l" defTabSz="457200" rtl="0" eaLnBrk="1" latinLnBrk="0" hangingPunct="1">
       <a:defRPr sz="1800" kern="1200">
         <a:solidFill>
           <a:schemeClr val="tx1"/>
@@ -73,7 +73,7 @@
         <a:cs typeface="+mn-cs"/>
       </a:defRPr>
     </a:lvl6pPr>
-    <a:lvl7pPr marL="2743200" algn="l" defTabSz="914400" rtl="0" eaLnBrk="1" latinLnBrk="0" hangingPunct="1">
+    <a:lvl7pPr marL="2743200" algn="l" defTabSz="457200" rtl="0" eaLnBrk="1" latinLnBrk="0" hangingPunct="1">
       <a:defRPr sz="1800" kern="1200">
         <a:solidFill>
           <a:schemeClr val="tx1"/>
@@ -83,7 +83,7 @@
         <a:cs typeface="+mn-cs"/>
       </a:defRPr>
     </a:lvl7pPr>
-    <a:lvl8pPr marL="3200400" algn="l" defTabSz="914400" rtl="0" eaLnBrk="1" latinLnBrk="0" hangingPunct="1">
+    <a:lvl8pPr marL="3200400" algn="l" defTabSz="457200" rtl="0" eaLnBrk="1" latinLnBrk="0" hangingPunct="1">
       <a:defRPr sz="1800" kern="1200">
         <a:solidFill>
           <a:schemeClr val="tx1"/>
@@ -93,7 +93,7 @@
         <a:cs typeface="+mn-cs"/>
       </a:defRPr>
     </a:lvl8pPr>
-    <a:lvl9pPr marL="3657600" algn="l" defTabSz="914400" rtl="0" eaLnBrk="1" latinLnBrk="0" hangingPunct="1">
+    <a:lvl9pPr marL="3657600" algn="l" defTabSz="457200" rtl="0" eaLnBrk="1" latinLnBrk="0" hangingPunct="1">
       <a:defRPr sz="1800" kern="1200">
         <a:solidFill>
           <a:schemeClr val="tx1"/>
@@ -104,6 +104,11 @@
       </a:defRPr>
     </a:lvl9pPr>
   </p:defaultTextStyle>
+  <p:extLst>
+    <p:ext uri="{EFAFB233-063F-42B5-8137-9DF3F51BA10A}">
+      <p15:sldGuideLst xmlns:p15="http://schemas.microsoft.com/office/powerpoint/2012/main"/>
+    </p:ext>
+  </p:extLst>
 </p:presentation>
 </file>
 
@@ -126,13 +131,7 @@
       </p:grpSpPr>
       <p:sp>
         <p:nvSpPr>
-          <p:cNvPr id="2" name="标题 1">
-            <a:extLst>
-              <a:ext uri="{FF2B5EF4-FFF2-40B4-BE49-F238E27FC236}">
-                <a16:creationId xmlns:a16="http://schemas.microsoft.com/office/drawing/2014/main" id="{AC4AD8EB-20A7-4BD2-A012-8F405B85C9E1}"/>
-              </a:ext>
-            </a:extLst>
-          </p:cNvPr>
+          <p:cNvPr id="2" name="Title 1"/>
           <p:cNvSpPr>
             <a:spLocks noGrp="1"/>
           </p:cNvSpPr>
@@ -142,15 +141,15 @@
         </p:nvSpPr>
         <p:spPr>
           <a:xfrm>
-            <a:off x="1524000" y="1122363"/>
-            <a:ext cx="9144000" cy="2387600"/>
+            <a:off x="914400" y="1472842"/>
+            <a:ext cx="10363200" cy="3133172"/>
           </a:xfrm>
         </p:spPr>
         <p:txBody>
           <a:bodyPr anchor="b"/>
           <a:lstStyle>
             <a:lvl1pPr algn="ctr">
-              <a:defRPr sz="6000"/>
+              <a:defRPr sz="7874"/>
             </a:lvl1pPr>
           </a:lstStyle>
           <a:p>
@@ -158,18 +157,13 @@
               <a:rPr lang="zh-CN" altLang="en-US"/>
               <a:t>单击此处编辑母版标题样式</a:t>
             </a:r>
-          </a:p>
-        </p:txBody>
-      </p:sp>
-      <p:sp>
-        <p:nvSpPr>
-          <p:cNvPr id="3" name="副标题 2">
-            <a:extLst>
-              <a:ext uri="{FF2B5EF4-FFF2-40B4-BE49-F238E27FC236}">
-                <a16:creationId xmlns:a16="http://schemas.microsoft.com/office/drawing/2014/main" id="{9D8F3FAA-02DE-46BC-BA75-CE67DDF4992C}"/>
-              </a:ext>
-            </a:extLst>
-          </p:cNvPr>
+            <a:endParaRPr lang="en-US" dirty="0"/>
+          </a:p>
+        </p:txBody>
+      </p:sp>
+      <p:sp>
+        <p:nvSpPr>
+          <p:cNvPr id="3" name="Subtitle 2"/>
           <p:cNvSpPr>
             <a:spLocks noGrp="1"/>
           </p:cNvSpPr>
@@ -179,8 +173,8 @@
         </p:nvSpPr>
         <p:spPr>
           <a:xfrm>
-            <a:off x="1524000" y="3602038"/>
-            <a:ext cx="9144000" cy="1655762"/>
+            <a:off x="1524000" y="4726842"/>
+            <a:ext cx="9144000" cy="2172804"/>
           </a:xfrm>
         </p:spPr>
         <p:txBody>
@@ -188,39 +182,39 @@
           <a:lstStyle>
             <a:lvl1pPr marL="0" indent="0" algn="ctr">
               <a:buNone/>
-              <a:defRPr sz="2400"/>
+              <a:defRPr sz="3150"/>
             </a:lvl1pPr>
-            <a:lvl2pPr marL="457200" indent="0" algn="ctr">
-              <a:buNone/>
-              <a:defRPr sz="2000"/>
+            <a:lvl2pPr marL="599984" indent="0" algn="ctr">
+              <a:buNone/>
+              <a:defRPr sz="2625"/>
             </a:lvl2pPr>
-            <a:lvl3pPr marL="914400" indent="0" algn="ctr">
-              <a:buNone/>
-              <a:defRPr sz="1800"/>
+            <a:lvl3pPr marL="1199967" indent="0" algn="ctr">
+              <a:buNone/>
+              <a:defRPr sz="2362"/>
             </a:lvl3pPr>
-            <a:lvl4pPr marL="1371600" indent="0" algn="ctr">
-              <a:buNone/>
-              <a:defRPr sz="1600"/>
+            <a:lvl4pPr marL="1799951" indent="0" algn="ctr">
+              <a:buNone/>
+              <a:defRPr sz="2100"/>
             </a:lvl4pPr>
-            <a:lvl5pPr marL="1828800" indent="0" algn="ctr">
-              <a:buNone/>
-              <a:defRPr sz="1600"/>
+            <a:lvl5pPr marL="2399934" indent="0" algn="ctr">
+              <a:buNone/>
+              <a:defRPr sz="2100"/>
             </a:lvl5pPr>
-            <a:lvl6pPr marL="2286000" indent="0" algn="ctr">
-              <a:buNone/>
-              <a:defRPr sz="1600"/>
+            <a:lvl6pPr marL="2999918" indent="0" algn="ctr">
+              <a:buNone/>
+              <a:defRPr sz="2100"/>
             </a:lvl6pPr>
-            <a:lvl7pPr marL="2743200" indent="0" algn="ctr">
-              <a:buNone/>
-              <a:defRPr sz="1600"/>
+            <a:lvl7pPr marL="3599901" indent="0" algn="ctr">
+              <a:buNone/>
+              <a:defRPr sz="2100"/>
             </a:lvl7pPr>
-            <a:lvl8pPr marL="3200400" indent="0" algn="ctr">
-              <a:buNone/>
-              <a:defRPr sz="1600"/>
+            <a:lvl8pPr marL="4199885" indent="0" algn="ctr">
+              <a:buNone/>
+              <a:defRPr sz="2100"/>
             </a:lvl8pPr>
-            <a:lvl9pPr marL="3657600" indent="0" algn="ctr">
-              <a:buNone/>
-              <a:defRPr sz="1600"/>
+            <a:lvl9pPr marL="4799868" indent="0" algn="ctr">
+              <a:buNone/>
+              <a:defRPr sz="2100"/>
             </a:lvl9pPr>
           </a:lstStyle>
           <a:p>
@@ -228,18 +222,13 @@
               <a:rPr lang="zh-CN" altLang="en-US"/>
               <a:t>单击此处编辑母版副标题样式</a:t>
             </a:r>
-          </a:p>
-        </p:txBody>
-      </p:sp>
-      <p:sp>
-        <p:nvSpPr>
-          <p:cNvPr id="4" name="日期占位符 3">
-            <a:extLst>
-              <a:ext uri="{FF2B5EF4-FFF2-40B4-BE49-F238E27FC236}">
-                <a16:creationId xmlns:a16="http://schemas.microsoft.com/office/drawing/2014/main" id="{16F7B24F-F833-4073-8544-8CD808AC4A67}"/>
-              </a:ext>
-            </a:extLst>
-          </p:cNvPr>
+            <a:endParaRPr lang="en-US" dirty="0"/>
+          </a:p>
+        </p:txBody>
+      </p:sp>
+      <p:sp>
+        <p:nvSpPr>
+          <p:cNvPr id="4" name="Date Placeholder 3"/>
           <p:cNvSpPr>
             <a:spLocks noGrp="1"/>
           </p:cNvSpPr>
@@ -262,13 +251,7 @@
       </p:sp>
       <p:sp>
         <p:nvSpPr>
-          <p:cNvPr id="5" name="页脚占位符 4">
-            <a:extLst>
-              <a:ext uri="{FF2B5EF4-FFF2-40B4-BE49-F238E27FC236}">
-                <a16:creationId xmlns:a16="http://schemas.microsoft.com/office/drawing/2014/main" id="{955BE499-D720-4BAB-B0FC-CAFCF7AD2435}"/>
-              </a:ext>
-            </a:extLst>
-          </p:cNvPr>
+          <p:cNvPr id="5" name="Footer Placeholder 4"/>
           <p:cNvSpPr>
             <a:spLocks noGrp="1"/>
           </p:cNvSpPr>
@@ -287,13 +270,7 @@
       </p:sp>
       <p:sp>
         <p:nvSpPr>
-          <p:cNvPr id="6" name="灯片编号占位符 5">
-            <a:extLst>
-              <a:ext uri="{FF2B5EF4-FFF2-40B4-BE49-F238E27FC236}">
-                <a16:creationId xmlns:a16="http://schemas.microsoft.com/office/drawing/2014/main" id="{F32FF80F-47A8-4ED7-AB81-6A9E590BE0E9}"/>
-              </a:ext>
-            </a:extLst>
-          </p:cNvPr>
+          <p:cNvPr id="6" name="Slide Number Placeholder 5"/>
           <p:cNvSpPr>
             <a:spLocks noGrp="1"/>
           </p:cNvSpPr>
@@ -317,7 +294,7 @@
     </p:spTree>
     <p:extLst>
       <p:ext uri="{BB962C8B-B14F-4D97-AF65-F5344CB8AC3E}">
-        <p14:creationId xmlns:p14="http://schemas.microsoft.com/office/powerpoint/2010/main" val="208779304"/>
+        <p14:creationId xmlns:p14="http://schemas.microsoft.com/office/powerpoint/2010/main" val="2655407438"/>
       </p:ext>
     </p:extLst>
   </p:cSld>
@@ -346,13 +323,7 @@
       </p:grpSpPr>
       <p:sp>
         <p:nvSpPr>
-          <p:cNvPr id="2" name="标题 1">
-            <a:extLst>
-              <a:ext uri="{FF2B5EF4-FFF2-40B4-BE49-F238E27FC236}">
-                <a16:creationId xmlns:a16="http://schemas.microsoft.com/office/drawing/2014/main" id="{759D0DCF-AE56-4F08-80AB-B9484D1E3478}"/>
-              </a:ext>
-            </a:extLst>
-          </p:cNvPr>
+          <p:cNvPr id="2" name="Title 1"/>
           <p:cNvSpPr>
             <a:spLocks noGrp="1"/>
           </p:cNvSpPr>
@@ -369,18 +340,13 @@
               <a:rPr lang="zh-CN" altLang="en-US"/>
               <a:t>单击此处编辑母版标题样式</a:t>
             </a:r>
-          </a:p>
-        </p:txBody>
-      </p:sp>
-      <p:sp>
-        <p:nvSpPr>
-          <p:cNvPr id="3" name="竖排文字占位符 2">
-            <a:extLst>
-              <a:ext uri="{FF2B5EF4-FFF2-40B4-BE49-F238E27FC236}">
-                <a16:creationId xmlns:a16="http://schemas.microsoft.com/office/drawing/2014/main" id="{93317A16-7CD7-4A8E-8DD7-F52C2F179D2B}"/>
-              </a:ext>
-            </a:extLst>
-          </p:cNvPr>
+            <a:endParaRPr lang="en-US" dirty="0"/>
+          </a:p>
+        </p:txBody>
+      </p:sp>
+      <p:sp>
+        <p:nvSpPr>
+          <p:cNvPr id="3" name="Vertical Text Placeholder 2"/>
           <p:cNvSpPr>
             <a:spLocks noGrp="1"/>
           </p:cNvSpPr>
@@ -426,18 +392,13 @@
               <a:rPr lang="zh-CN" altLang="en-US"/>
               <a:t>第五级</a:t>
             </a:r>
-          </a:p>
-        </p:txBody>
-      </p:sp>
-      <p:sp>
-        <p:nvSpPr>
-          <p:cNvPr id="4" name="日期占位符 3">
-            <a:extLst>
-              <a:ext uri="{FF2B5EF4-FFF2-40B4-BE49-F238E27FC236}">
-                <a16:creationId xmlns:a16="http://schemas.microsoft.com/office/drawing/2014/main" id="{41354975-C38B-4D85-8CE4-DC857F9C3071}"/>
-              </a:ext>
-            </a:extLst>
-          </p:cNvPr>
+            <a:endParaRPr lang="en-US" dirty="0"/>
+          </a:p>
+        </p:txBody>
+      </p:sp>
+      <p:sp>
+        <p:nvSpPr>
+          <p:cNvPr id="4" name="Date Placeholder 3"/>
           <p:cNvSpPr>
             <a:spLocks noGrp="1"/>
           </p:cNvSpPr>
@@ -460,13 +421,7 @@
       </p:sp>
       <p:sp>
         <p:nvSpPr>
-          <p:cNvPr id="5" name="页脚占位符 4">
-            <a:extLst>
-              <a:ext uri="{FF2B5EF4-FFF2-40B4-BE49-F238E27FC236}">
-                <a16:creationId xmlns:a16="http://schemas.microsoft.com/office/drawing/2014/main" id="{7233F746-FA53-4EF7-858E-6A27B146CF81}"/>
-              </a:ext>
-            </a:extLst>
-          </p:cNvPr>
+          <p:cNvPr id="5" name="Footer Placeholder 4"/>
           <p:cNvSpPr>
             <a:spLocks noGrp="1"/>
           </p:cNvSpPr>
@@ -485,13 +440,7 @@
       </p:sp>
       <p:sp>
         <p:nvSpPr>
-          <p:cNvPr id="6" name="灯片编号占位符 5">
-            <a:extLst>
-              <a:ext uri="{FF2B5EF4-FFF2-40B4-BE49-F238E27FC236}">
-                <a16:creationId xmlns:a16="http://schemas.microsoft.com/office/drawing/2014/main" id="{916C91C4-0BC2-45AC-91E7-1CF5C5B58E91}"/>
-              </a:ext>
-            </a:extLst>
-          </p:cNvPr>
+          <p:cNvPr id="6" name="Slide Number Placeholder 5"/>
           <p:cNvSpPr>
             <a:spLocks noGrp="1"/>
           </p:cNvSpPr>
@@ -515,7 +464,7 @@
     </p:spTree>
     <p:extLst>
       <p:ext uri="{BB962C8B-B14F-4D97-AF65-F5344CB8AC3E}">
-        <p14:creationId xmlns:p14="http://schemas.microsoft.com/office/powerpoint/2010/main" val="1059330777"/>
+        <p14:creationId xmlns:p14="http://schemas.microsoft.com/office/powerpoint/2010/main" val="1659224368"/>
       </p:ext>
     </p:extLst>
   </p:cSld>
@@ -544,13 +493,7 @@
       </p:grpSpPr>
       <p:sp>
         <p:nvSpPr>
-          <p:cNvPr id="2" name="竖排标题 1">
-            <a:extLst>
-              <a:ext uri="{FF2B5EF4-FFF2-40B4-BE49-F238E27FC236}">
-                <a16:creationId xmlns:a16="http://schemas.microsoft.com/office/drawing/2014/main" id="{DF93AB16-38CC-4C37-97BC-823EF3C2F641}"/>
-              </a:ext>
-            </a:extLst>
-          </p:cNvPr>
+          <p:cNvPr id="2" name="Vertical Title 1"/>
           <p:cNvSpPr>
             <a:spLocks noGrp="1"/>
           </p:cNvSpPr>
@@ -560,8 +503,8 @@
         </p:nvSpPr>
         <p:spPr>
           <a:xfrm>
-            <a:off x="8724900" y="365125"/>
-            <a:ext cx="2628900" cy="5811838"/>
+            <a:off x="8724901" y="479142"/>
+            <a:ext cx="2628900" cy="7626692"/>
           </a:xfrm>
         </p:spPr>
         <p:txBody>
@@ -572,18 +515,13 @@
               <a:rPr lang="zh-CN" altLang="en-US"/>
               <a:t>单击此处编辑母版标题样式</a:t>
             </a:r>
-          </a:p>
-        </p:txBody>
-      </p:sp>
-      <p:sp>
-        <p:nvSpPr>
-          <p:cNvPr id="3" name="竖排文字占位符 2">
-            <a:extLst>
-              <a:ext uri="{FF2B5EF4-FFF2-40B4-BE49-F238E27FC236}">
-                <a16:creationId xmlns:a16="http://schemas.microsoft.com/office/drawing/2014/main" id="{96256A60-7B31-4B3B-8FF9-188C1F9DD3BD}"/>
-              </a:ext>
-            </a:extLst>
-          </p:cNvPr>
+            <a:endParaRPr lang="en-US" dirty="0"/>
+          </a:p>
+        </p:txBody>
+      </p:sp>
+      <p:sp>
+        <p:nvSpPr>
+          <p:cNvPr id="3" name="Vertical Text Placeholder 2"/>
           <p:cNvSpPr>
             <a:spLocks noGrp="1"/>
           </p:cNvSpPr>
@@ -593,8 +531,8 @@
         </p:nvSpPr>
         <p:spPr>
           <a:xfrm>
-            <a:off x="838200" y="365125"/>
-            <a:ext cx="7734300" cy="5811838"/>
+            <a:off x="838201" y="479142"/>
+            <a:ext cx="7734300" cy="7626692"/>
           </a:xfrm>
         </p:spPr>
         <p:txBody>
@@ -634,18 +572,13 @@
               <a:rPr lang="zh-CN" altLang="en-US"/>
               <a:t>第五级</a:t>
             </a:r>
-          </a:p>
-        </p:txBody>
-      </p:sp>
-      <p:sp>
-        <p:nvSpPr>
-          <p:cNvPr id="4" name="日期占位符 3">
-            <a:extLst>
-              <a:ext uri="{FF2B5EF4-FFF2-40B4-BE49-F238E27FC236}">
-                <a16:creationId xmlns:a16="http://schemas.microsoft.com/office/drawing/2014/main" id="{8D5B74AD-2084-4FBB-939E-61011489D05F}"/>
-              </a:ext>
-            </a:extLst>
-          </p:cNvPr>
+            <a:endParaRPr lang="en-US" dirty="0"/>
+          </a:p>
+        </p:txBody>
+      </p:sp>
+      <p:sp>
+        <p:nvSpPr>
+          <p:cNvPr id="4" name="Date Placeholder 3"/>
           <p:cNvSpPr>
             <a:spLocks noGrp="1"/>
           </p:cNvSpPr>
@@ -668,13 +601,7 @@
       </p:sp>
       <p:sp>
         <p:nvSpPr>
-          <p:cNvPr id="5" name="页脚占位符 4">
-            <a:extLst>
-              <a:ext uri="{FF2B5EF4-FFF2-40B4-BE49-F238E27FC236}">
-                <a16:creationId xmlns:a16="http://schemas.microsoft.com/office/drawing/2014/main" id="{7D80C4D7-BC17-40F5-97EC-3FD85AF51600}"/>
-              </a:ext>
-            </a:extLst>
-          </p:cNvPr>
+          <p:cNvPr id="5" name="Footer Placeholder 4"/>
           <p:cNvSpPr>
             <a:spLocks noGrp="1"/>
           </p:cNvSpPr>
@@ -693,13 +620,7 @@
       </p:sp>
       <p:sp>
         <p:nvSpPr>
-          <p:cNvPr id="6" name="灯片编号占位符 5">
-            <a:extLst>
-              <a:ext uri="{FF2B5EF4-FFF2-40B4-BE49-F238E27FC236}">
-                <a16:creationId xmlns:a16="http://schemas.microsoft.com/office/drawing/2014/main" id="{B79219E7-4CC0-4F74-A30A-2688B1A2DF3D}"/>
-              </a:ext>
-            </a:extLst>
-          </p:cNvPr>
+          <p:cNvPr id="6" name="Slide Number Placeholder 5"/>
           <p:cNvSpPr>
             <a:spLocks noGrp="1"/>
           </p:cNvSpPr>
@@ -723,7 +644,7 @@
     </p:spTree>
     <p:extLst>
       <p:ext uri="{BB962C8B-B14F-4D97-AF65-F5344CB8AC3E}">
-        <p14:creationId xmlns:p14="http://schemas.microsoft.com/office/powerpoint/2010/main" val="3538625585"/>
+        <p14:creationId xmlns:p14="http://schemas.microsoft.com/office/powerpoint/2010/main" val="1822022375"/>
       </p:ext>
     </p:extLst>
   </p:cSld>
@@ -752,13 +673,7 @@
       </p:grpSpPr>
       <p:sp>
         <p:nvSpPr>
-          <p:cNvPr id="2" name="标题 1">
-            <a:extLst>
-              <a:ext uri="{FF2B5EF4-FFF2-40B4-BE49-F238E27FC236}">
-                <a16:creationId xmlns:a16="http://schemas.microsoft.com/office/drawing/2014/main" id="{4D235F06-E76D-44EE-A1C6-A1BCC11361F1}"/>
-              </a:ext>
-            </a:extLst>
-          </p:cNvPr>
+          <p:cNvPr id="2" name="Title 1"/>
           <p:cNvSpPr>
             <a:spLocks noGrp="1"/>
           </p:cNvSpPr>
@@ -775,18 +690,13 @@
               <a:rPr lang="zh-CN" altLang="en-US"/>
               <a:t>单击此处编辑母版标题样式</a:t>
             </a:r>
-          </a:p>
-        </p:txBody>
-      </p:sp>
-      <p:sp>
-        <p:nvSpPr>
-          <p:cNvPr id="3" name="内容占位符 2">
-            <a:extLst>
-              <a:ext uri="{FF2B5EF4-FFF2-40B4-BE49-F238E27FC236}">
-                <a16:creationId xmlns:a16="http://schemas.microsoft.com/office/drawing/2014/main" id="{4DBC1B34-50B2-4284-B69C-72A7EA18779A}"/>
-              </a:ext>
-            </a:extLst>
-          </p:cNvPr>
+            <a:endParaRPr lang="en-US" dirty="0"/>
+          </a:p>
+        </p:txBody>
+      </p:sp>
+      <p:sp>
+        <p:nvSpPr>
+          <p:cNvPr id="3" name="Content Placeholder 2"/>
           <p:cNvSpPr>
             <a:spLocks noGrp="1"/>
           </p:cNvSpPr>
@@ -832,18 +742,13 @@
               <a:rPr lang="zh-CN" altLang="en-US"/>
               <a:t>第五级</a:t>
             </a:r>
-          </a:p>
-        </p:txBody>
-      </p:sp>
-      <p:sp>
-        <p:nvSpPr>
-          <p:cNvPr id="4" name="日期占位符 3">
-            <a:extLst>
-              <a:ext uri="{FF2B5EF4-FFF2-40B4-BE49-F238E27FC236}">
-                <a16:creationId xmlns:a16="http://schemas.microsoft.com/office/drawing/2014/main" id="{73045ED8-586E-425D-9A0D-5A514703629B}"/>
-              </a:ext>
-            </a:extLst>
-          </p:cNvPr>
+            <a:endParaRPr lang="en-US" dirty="0"/>
+          </a:p>
+        </p:txBody>
+      </p:sp>
+      <p:sp>
+        <p:nvSpPr>
+          <p:cNvPr id="4" name="Date Placeholder 3"/>
           <p:cNvSpPr>
             <a:spLocks noGrp="1"/>
           </p:cNvSpPr>
@@ -866,13 +771,7 @@
       </p:sp>
       <p:sp>
         <p:nvSpPr>
-          <p:cNvPr id="5" name="页脚占位符 4">
-            <a:extLst>
-              <a:ext uri="{FF2B5EF4-FFF2-40B4-BE49-F238E27FC236}">
-                <a16:creationId xmlns:a16="http://schemas.microsoft.com/office/drawing/2014/main" id="{BFB68F4E-0A46-4FD1-A15F-67DE5C3BA4EF}"/>
-              </a:ext>
-            </a:extLst>
-          </p:cNvPr>
+          <p:cNvPr id="5" name="Footer Placeholder 4"/>
           <p:cNvSpPr>
             <a:spLocks noGrp="1"/>
           </p:cNvSpPr>
@@ -891,13 +790,7 @@
       </p:sp>
       <p:sp>
         <p:nvSpPr>
-          <p:cNvPr id="6" name="灯片编号占位符 5">
-            <a:extLst>
-              <a:ext uri="{FF2B5EF4-FFF2-40B4-BE49-F238E27FC236}">
-                <a16:creationId xmlns:a16="http://schemas.microsoft.com/office/drawing/2014/main" id="{827E6D66-89E5-4DC6-9B20-F05CB00C639D}"/>
-              </a:ext>
-            </a:extLst>
-          </p:cNvPr>
+          <p:cNvPr id="6" name="Slide Number Placeholder 5"/>
           <p:cNvSpPr>
             <a:spLocks noGrp="1"/>
           </p:cNvSpPr>
@@ -921,7 +814,7 @@
     </p:spTree>
     <p:extLst>
       <p:ext uri="{BB962C8B-B14F-4D97-AF65-F5344CB8AC3E}">
-        <p14:creationId xmlns:p14="http://schemas.microsoft.com/office/powerpoint/2010/main" val="2301453198"/>
+        <p14:creationId xmlns:p14="http://schemas.microsoft.com/office/powerpoint/2010/main" val="3114824390"/>
       </p:ext>
     </p:extLst>
   </p:cSld>
@@ -950,13 +843,7 @@
       </p:grpSpPr>
       <p:sp>
         <p:nvSpPr>
-          <p:cNvPr id="2" name="标题 1">
-            <a:extLst>
-              <a:ext uri="{FF2B5EF4-FFF2-40B4-BE49-F238E27FC236}">
-                <a16:creationId xmlns:a16="http://schemas.microsoft.com/office/drawing/2014/main" id="{ACB125E5-071C-4FF4-9091-7350F5241CB6}"/>
-              </a:ext>
-            </a:extLst>
-          </p:cNvPr>
+          <p:cNvPr id="2" name="Title 1"/>
           <p:cNvSpPr>
             <a:spLocks noGrp="1"/>
           </p:cNvSpPr>
@@ -966,15 +853,15 @@
         </p:nvSpPr>
         <p:spPr>
           <a:xfrm>
-            <a:off x="831850" y="1709738"/>
-            <a:ext cx="10515600" cy="2852737"/>
+            <a:off x="831851" y="2243638"/>
+            <a:ext cx="10515600" cy="3743557"/>
           </a:xfrm>
         </p:spPr>
         <p:txBody>
           <a:bodyPr anchor="b"/>
           <a:lstStyle>
             <a:lvl1pPr>
-              <a:defRPr sz="6000"/>
+              <a:defRPr sz="7874"/>
             </a:lvl1pPr>
           </a:lstStyle>
           <a:p>
@@ -982,18 +869,13 @@
               <a:rPr lang="zh-CN" altLang="en-US"/>
               <a:t>单击此处编辑母版标题样式</a:t>
             </a:r>
-          </a:p>
-        </p:txBody>
-      </p:sp>
-      <p:sp>
-        <p:nvSpPr>
-          <p:cNvPr id="3" name="文本占位符 2">
-            <a:extLst>
-              <a:ext uri="{FF2B5EF4-FFF2-40B4-BE49-F238E27FC236}">
-                <a16:creationId xmlns:a16="http://schemas.microsoft.com/office/drawing/2014/main" id="{B275BC82-DDC4-4524-904D-5D1DCE8666D0}"/>
-              </a:ext>
-            </a:extLst>
-          </p:cNvPr>
+            <a:endParaRPr lang="en-US" dirty="0"/>
+          </a:p>
+        </p:txBody>
+      </p:sp>
+      <p:sp>
+        <p:nvSpPr>
+          <p:cNvPr id="3" name="Text Placeholder 2"/>
           <p:cNvSpPr>
             <a:spLocks noGrp="1"/>
           </p:cNvSpPr>
@@ -1003,8 +885,8 @@
         </p:nvSpPr>
         <p:spPr>
           <a:xfrm>
-            <a:off x="831850" y="4589463"/>
-            <a:ext cx="10515600" cy="1500187"/>
+            <a:off x="831851" y="6022610"/>
+            <a:ext cx="10515600" cy="1968648"/>
           </a:xfrm>
         </p:spPr>
         <p:txBody>
@@ -1012,17 +894,15 @@
           <a:lstStyle>
             <a:lvl1pPr marL="0" indent="0">
               <a:buNone/>
-              <a:defRPr sz="2400">
+              <a:defRPr sz="3150">
                 <a:solidFill>
-                  <a:schemeClr val="tx1">
-                    <a:tint val="75000"/>
-                  </a:schemeClr>
+                  <a:schemeClr val="tx1"/>
                 </a:solidFill>
               </a:defRPr>
             </a:lvl1pPr>
-            <a:lvl2pPr marL="457200" indent="0">
-              <a:buNone/>
-              <a:defRPr sz="2000">
+            <a:lvl2pPr marL="599984" indent="0">
+              <a:buNone/>
+              <a:defRPr sz="2625">
                 <a:solidFill>
                   <a:schemeClr val="tx1">
                     <a:tint val="75000"/>
@@ -1030,9 +910,9 @@
                 </a:solidFill>
               </a:defRPr>
             </a:lvl2pPr>
-            <a:lvl3pPr marL="914400" indent="0">
-              <a:buNone/>
-              <a:defRPr sz="1800">
+            <a:lvl3pPr marL="1199967" indent="0">
+              <a:buNone/>
+              <a:defRPr sz="2362">
                 <a:solidFill>
                   <a:schemeClr val="tx1">
                     <a:tint val="75000"/>
@@ -1040,9 +920,9 @@
                 </a:solidFill>
               </a:defRPr>
             </a:lvl3pPr>
-            <a:lvl4pPr marL="1371600" indent="0">
-              <a:buNone/>
-              <a:defRPr sz="1600">
+            <a:lvl4pPr marL="1799951" indent="0">
+              <a:buNone/>
+              <a:defRPr sz="2100">
                 <a:solidFill>
                   <a:schemeClr val="tx1">
                     <a:tint val="75000"/>
@@ -1050,9 +930,9 @@
                 </a:solidFill>
               </a:defRPr>
             </a:lvl4pPr>
-            <a:lvl5pPr marL="1828800" indent="0">
-              <a:buNone/>
-              <a:defRPr sz="1600">
+            <a:lvl5pPr marL="2399934" indent="0">
+              <a:buNone/>
+              <a:defRPr sz="2100">
                 <a:solidFill>
                   <a:schemeClr val="tx1">
                     <a:tint val="75000"/>
@@ -1060,9 +940,9 @@
                 </a:solidFill>
               </a:defRPr>
             </a:lvl5pPr>
-            <a:lvl6pPr marL="2286000" indent="0">
-              <a:buNone/>
-              <a:defRPr sz="1600">
+            <a:lvl6pPr marL="2999918" indent="0">
+              <a:buNone/>
+              <a:defRPr sz="2100">
                 <a:solidFill>
                   <a:schemeClr val="tx1">
                     <a:tint val="75000"/>
@@ -1070,9 +950,9 @@
                 </a:solidFill>
               </a:defRPr>
             </a:lvl6pPr>
-            <a:lvl7pPr marL="2743200" indent="0">
-              <a:buNone/>
-              <a:defRPr sz="1600">
+            <a:lvl7pPr marL="3599901" indent="0">
+              <a:buNone/>
+              <a:defRPr sz="2100">
                 <a:solidFill>
                   <a:schemeClr val="tx1">
                     <a:tint val="75000"/>
@@ -1080,9 +960,9 @@
                 </a:solidFill>
               </a:defRPr>
             </a:lvl7pPr>
-            <a:lvl8pPr marL="3200400" indent="0">
-              <a:buNone/>
-              <a:defRPr sz="1600">
+            <a:lvl8pPr marL="4199885" indent="0">
+              <a:buNone/>
+              <a:defRPr sz="2100">
                 <a:solidFill>
                   <a:schemeClr val="tx1">
                     <a:tint val="75000"/>
@@ -1090,9 +970,9 @@
                 </a:solidFill>
               </a:defRPr>
             </a:lvl8pPr>
-            <a:lvl9pPr marL="3657600" indent="0">
-              <a:buNone/>
-              <a:defRPr sz="1600">
+            <a:lvl9pPr marL="4799868" indent="0">
+              <a:buNone/>
+              <a:defRPr sz="2100">
                 <a:solidFill>
                   <a:schemeClr val="tx1">
                     <a:tint val="75000"/>
@@ -1112,13 +992,7 @@
       </p:sp>
       <p:sp>
         <p:nvSpPr>
-          <p:cNvPr id="4" name="日期占位符 3">
-            <a:extLst>
-              <a:ext uri="{FF2B5EF4-FFF2-40B4-BE49-F238E27FC236}">
-                <a16:creationId xmlns:a16="http://schemas.microsoft.com/office/drawing/2014/main" id="{800E14B1-901B-4950-A507-34EBDC0A137E}"/>
-              </a:ext>
-            </a:extLst>
-          </p:cNvPr>
+          <p:cNvPr id="4" name="Date Placeholder 3"/>
           <p:cNvSpPr>
             <a:spLocks noGrp="1"/>
           </p:cNvSpPr>
@@ -1141,13 +1015,7 @@
       </p:sp>
       <p:sp>
         <p:nvSpPr>
-          <p:cNvPr id="5" name="页脚占位符 4">
-            <a:extLst>
-              <a:ext uri="{FF2B5EF4-FFF2-40B4-BE49-F238E27FC236}">
-                <a16:creationId xmlns:a16="http://schemas.microsoft.com/office/drawing/2014/main" id="{65B774D0-8F1F-42B6-9D4D-AB89413F1BD2}"/>
-              </a:ext>
-            </a:extLst>
-          </p:cNvPr>
+          <p:cNvPr id="5" name="Footer Placeholder 4"/>
           <p:cNvSpPr>
             <a:spLocks noGrp="1"/>
           </p:cNvSpPr>
@@ -1166,13 +1034,7 @@
       </p:sp>
       <p:sp>
         <p:nvSpPr>
-          <p:cNvPr id="6" name="灯片编号占位符 5">
-            <a:extLst>
-              <a:ext uri="{FF2B5EF4-FFF2-40B4-BE49-F238E27FC236}">
-                <a16:creationId xmlns:a16="http://schemas.microsoft.com/office/drawing/2014/main" id="{92DB2BAC-2086-48B1-81CD-233E69027157}"/>
-              </a:ext>
-            </a:extLst>
-          </p:cNvPr>
+          <p:cNvPr id="6" name="Slide Number Placeholder 5"/>
           <p:cNvSpPr>
             <a:spLocks noGrp="1"/>
           </p:cNvSpPr>
@@ -1196,7 +1058,7 @@
     </p:spTree>
     <p:extLst>
       <p:ext uri="{BB962C8B-B14F-4D97-AF65-F5344CB8AC3E}">
-        <p14:creationId xmlns:p14="http://schemas.microsoft.com/office/powerpoint/2010/main" val="3450094754"/>
+        <p14:creationId xmlns:p14="http://schemas.microsoft.com/office/powerpoint/2010/main" val="2521163775"/>
       </p:ext>
     </p:extLst>
   </p:cSld>
@@ -1225,13 +1087,7 @@
       </p:grpSpPr>
       <p:sp>
         <p:nvSpPr>
-          <p:cNvPr id="2" name="标题 1">
-            <a:extLst>
-              <a:ext uri="{FF2B5EF4-FFF2-40B4-BE49-F238E27FC236}">
-                <a16:creationId xmlns:a16="http://schemas.microsoft.com/office/drawing/2014/main" id="{8C796B35-BBCC-4C99-90CA-CCF381D9F81D}"/>
-              </a:ext>
-            </a:extLst>
-          </p:cNvPr>
+          <p:cNvPr id="2" name="Title 1"/>
           <p:cNvSpPr>
             <a:spLocks noGrp="1"/>
           </p:cNvSpPr>
@@ -1248,18 +1104,13 @@
               <a:rPr lang="zh-CN" altLang="en-US"/>
               <a:t>单击此处编辑母版标题样式</a:t>
             </a:r>
-          </a:p>
-        </p:txBody>
-      </p:sp>
-      <p:sp>
-        <p:nvSpPr>
-          <p:cNvPr id="3" name="内容占位符 2">
-            <a:extLst>
-              <a:ext uri="{FF2B5EF4-FFF2-40B4-BE49-F238E27FC236}">
-                <a16:creationId xmlns:a16="http://schemas.microsoft.com/office/drawing/2014/main" id="{272C3037-1861-4757-B629-E358EB250950}"/>
-              </a:ext>
-            </a:extLst>
-          </p:cNvPr>
+            <a:endParaRPr lang="en-US" dirty="0"/>
+          </a:p>
+        </p:txBody>
+      </p:sp>
+      <p:sp>
+        <p:nvSpPr>
+          <p:cNvPr id="3" name="Content Placeholder 2"/>
           <p:cNvSpPr>
             <a:spLocks noGrp="1"/>
           </p:cNvSpPr>
@@ -1269,8 +1120,8 @@
         </p:nvSpPr>
         <p:spPr>
           <a:xfrm>
-            <a:off x="838200" y="1825625"/>
-            <a:ext cx="5181600" cy="4351338"/>
+            <a:off x="838200" y="2395710"/>
+            <a:ext cx="5181600" cy="5710124"/>
           </a:xfrm>
         </p:spPr>
         <p:txBody>
@@ -1310,18 +1161,13 @@
               <a:rPr lang="zh-CN" altLang="en-US"/>
               <a:t>第五级</a:t>
             </a:r>
-          </a:p>
-        </p:txBody>
-      </p:sp>
-      <p:sp>
-        <p:nvSpPr>
-          <p:cNvPr id="4" name="内容占位符 3">
-            <a:extLst>
-              <a:ext uri="{FF2B5EF4-FFF2-40B4-BE49-F238E27FC236}">
-                <a16:creationId xmlns:a16="http://schemas.microsoft.com/office/drawing/2014/main" id="{698CDC2E-5B08-480C-BA2B-A7171444BFEE}"/>
-              </a:ext>
-            </a:extLst>
-          </p:cNvPr>
+            <a:endParaRPr lang="en-US" dirty="0"/>
+          </a:p>
+        </p:txBody>
+      </p:sp>
+      <p:sp>
+        <p:nvSpPr>
+          <p:cNvPr id="4" name="Content Placeholder 3"/>
           <p:cNvSpPr>
             <a:spLocks noGrp="1"/>
           </p:cNvSpPr>
@@ -1331,8 +1177,8 @@
         </p:nvSpPr>
         <p:spPr>
           <a:xfrm>
-            <a:off x="6172200" y="1825625"/>
-            <a:ext cx="5181600" cy="4351338"/>
+            <a:off x="6172200" y="2395710"/>
+            <a:ext cx="5181600" cy="5710124"/>
           </a:xfrm>
         </p:spPr>
         <p:txBody>
@@ -1372,18 +1218,13 @@
               <a:rPr lang="zh-CN" altLang="en-US"/>
               <a:t>第五级</a:t>
             </a:r>
-          </a:p>
-        </p:txBody>
-      </p:sp>
-      <p:sp>
-        <p:nvSpPr>
-          <p:cNvPr id="5" name="日期占位符 4">
-            <a:extLst>
-              <a:ext uri="{FF2B5EF4-FFF2-40B4-BE49-F238E27FC236}">
-                <a16:creationId xmlns:a16="http://schemas.microsoft.com/office/drawing/2014/main" id="{A33BD3B3-CC7C-4A21-B0E8-A3562AA00E05}"/>
-              </a:ext>
-            </a:extLst>
-          </p:cNvPr>
+            <a:endParaRPr lang="en-US" dirty="0"/>
+          </a:p>
+        </p:txBody>
+      </p:sp>
+      <p:sp>
+        <p:nvSpPr>
+          <p:cNvPr id="5" name="Date Placeholder 4"/>
           <p:cNvSpPr>
             <a:spLocks noGrp="1"/>
           </p:cNvSpPr>
@@ -1406,13 +1247,7 @@
       </p:sp>
       <p:sp>
         <p:nvSpPr>
-          <p:cNvPr id="6" name="页脚占位符 5">
-            <a:extLst>
-              <a:ext uri="{FF2B5EF4-FFF2-40B4-BE49-F238E27FC236}">
-                <a16:creationId xmlns:a16="http://schemas.microsoft.com/office/drawing/2014/main" id="{CFEF85BD-8990-4D0C-9786-9FF19404302B}"/>
-              </a:ext>
-            </a:extLst>
-          </p:cNvPr>
+          <p:cNvPr id="6" name="Footer Placeholder 5"/>
           <p:cNvSpPr>
             <a:spLocks noGrp="1"/>
           </p:cNvSpPr>
@@ -1431,13 +1266,7 @@
       </p:sp>
       <p:sp>
         <p:nvSpPr>
-          <p:cNvPr id="7" name="灯片编号占位符 6">
-            <a:extLst>
-              <a:ext uri="{FF2B5EF4-FFF2-40B4-BE49-F238E27FC236}">
-                <a16:creationId xmlns:a16="http://schemas.microsoft.com/office/drawing/2014/main" id="{AF1AE383-2889-420F-A545-1669F1617D19}"/>
-              </a:ext>
-            </a:extLst>
-          </p:cNvPr>
+          <p:cNvPr id="7" name="Slide Number Placeholder 6"/>
           <p:cNvSpPr>
             <a:spLocks noGrp="1"/>
           </p:cNvSpPr>
@@ -1461,7 +1290,7 @@
     </p:spTree>
     <p:extLst>
       <p:ext uri="{BB962C8B-B14F-4D97-AF65-F5344CB8AC3E}">
-        <p14:creationId xmlns:p14="http://schemas.microsoft.com/office/powerpoint/2010/main" val="1777494319"/>
+        <p14:creationId xmlns:p14="http://schemas.microsoft.com/office/powerpoint/2010/main" val="829623045"/>
       </p:ext>
     </p:extLst>
   </p:cSld>
@@ -1490,13 +1319,7 @@
       </p:grpSpPr>
       <p:sp>
         <p:nvSpPr>
-          <p:cNvPr id="2" name="标题 1">
-            <a:extLst>
-              <a:ext uri="{FF2B5EF4-FFF2-40B4-BE49-F238E27FC236}">
-                <a16:creationId xmlns:a16="http://schemas.microsoft.com/office/drawing/2014/main" id="{AFAC66B3-0CF1-4B53-AA15-F449609841D9}"/>
-              </a:ext>
-            </a:extLst>
-          </p:cNvPr>
+          <p:cNvPr id="2" name="Title 1"/>
           <p:cNvSpPr>
             <a:spLocks noGrp="1"/>
           </p:cNvSpPr>
@@ -1506,8 +1329,8 @@
         </p:nvSpPr>
         <p:spPr>
           <a:xfrm>
-            <a:off x="839788" y="365125"/>
-            <a:ext cx="10515600" cy="1325563"/>
+            <a:off x="839788" y="479144"/>
+            <a:ext cx="10515600" cy="1739495"/>
           </a:xfrm>
         </p:spPr>
         <p:txBody>
@@ -1518,18 +1341,13 @@
               <a:rPr lang="zh-CN" altLang="en-US"/>
               <a:t>单击此处编辑母版标题样式</a:t>
             </a:r>
-          </a:p>
-        </p:txBody>
-      </p:sp>
-      <p:sp>
-        <p:nvSpPr>
-          <p:cNvPr id="3" name="文本占位符 2">
-            <a:extLst>
-              <a:ext uri="{FF2B5EF4-FFF2-40B4-BE49-F238E27FC236}">
-                <a16:creationId xmlns:a16="http://schemas.microsoft.com/office/drawing/2014/main" id="{96E0D37D-3585-469C-A927-54D79652BE75}"/>
-              </a:ext>
-            </a:extLst>
-          </p:cNvPr>
+            <a:endParaRPr lang="en-US" dirty="0"/>
+          </a:p>
+        </p:txBody>
+      </p:sp>
+      <p:sp>
+        <p:nvSpPr>
+          <p:cNvPr id="3" name="Text Placeholder 2"/>
           <p:cNvSpPr>
             <a:spLocks noGrp="1"/>
           </p:cNvSpPr>
@@ -1539,8 +1357,8 @@
         </p:nvSpPr>
         <p:spPr>
           <a:xfrm>
-            <a:off x="839788" y="1681163"/>
-            <a:ext cx="5157787" cy="823912"/>
+            <a:off x="839789" y="2206137"/>
+            <a:ext cx="5157787" cy="1081194"/>
           </a:xfrm>
         </p:spPr>
         <p:txBody>
@@ -1548,39 +1366,39 @@
           <a:lstStyle>
             <a:lvl1pPr marL="0" indent="0">
               <a:buNone/>
-              <a:defRPr sz="2400" b="1"/>
+              <a:defRPr sz="3150" b="1"/>
             </a:lvl1pPr>
-            <a:lvl2pPr marL="457200" indent="0">
-              <a:buNone/>
-              <a:defRPr sz="2000" b="1"/>
+            <a:lvl2pPr marL="599984" indent="0">
+              <a:buNone/>
+              <a:defRPr sz="2625" b="1"/>
             </a:lvl2pPr>
-            <a:lvl3pPr marL="914400" indent="0">
-              <a:buNone/>
-              <a:defRPr sz="1800" b="1"/>
+            <a:lvl3pPr marL="1199967" indent="0">
+              <a:buNone/>
+              <a:defRPr sz="2362" b="1"/>
             </a:lvl3pPr>
-            <a:lvl4pPr marL="1371600" indent="0">
-              <a:buNone/>
-              <a:defRPr sz="1600" b="1"/>
+            <a:lvl4pPr marL="1799951" indent="0">
+              <a:buNone/>
+              <a:defRPr sz="2100" b="1"/>
             </a:lvl4pPr>
-            <a:lvl5pPr marL="1828800" indent="0">
-              <a:buNone/>
-              <a:defRPr sz="1600" b="1"/>
+            <a:lvl5pPr marL="2399934" indent="0">
+              <a:buNone/>
+              <a:defRPr sz="2100" b="1"/>
             </a:lvl5pPr>
-            <a:lvl6pPr marL="2286000" indent="0">
-              <a:buNone/>
-              <a:defRPr sz="1600" b="1"/>
+            <a:lvl6pPr marL="2999918" indent="0">
+              <a:buNone/>
+              <a:defRPr sz="2100" b="1"/>
             </a:lvl6pPr>
-            <a:lvl7pPr marL="2743200" indent="0">
-              <a:buNone/>
-              <a:defRPr sz="1600" b="1"/>
+            <a:lvl7pPr marL="3599901" indent="0">
+              <a:buNone/>
+              <a:defRPr sz="2100" b="1"/>
             </a:lvl7pPr>
-            <a:lvl8pPr marL="3200400" indent="0">
-              <a:buNone/>
-              <a:defRPr sz="1600" b="1"/>
+            <a:lvl8pPr marL="4199885" indent="0">
+              <a:buNone/>
+              <a:defRPr sz="2100" b="1"/>
             </a:lvl8pPr>
-            <a:lvl9pPr marL="3657600" indent="0">
-              <a:buNone/>
-              <a:defRPr sz="1600" b="1"/>
+            <a:lvl9pPr marL="4799868" indent="0">
+              <a:buNone/>
+              <a:defRPr sz="2100" b="1"/>
             </a:lvl9pPr>
           </a:lstStyle>
           <a:p>
@@ -1594,13 +1412,7 @@
       </p:sp>
       <p:sp>
         <p:nvSpPr>
-          <p:cNvPr id="4" name="内容占位符 3">
-            <a:extLst>
-              <a:ext uri="{FF2B5EF4-FFF2-40B4-BE49-F238E27FC236}">
-                <a16:creationId xmlns:a16="http://schemas.microsoft.com/office/drawing/2014/main" id="{1E506FDA-AD17-4899-90E2-3BC2807C77B9}"/>
-              </a:ext>
-            </a:extLst>
-          </p:cNvPr>
+          <p:cNvPr id="4" name="Content Placeholder 3"/>
           <p:cNvSpPr>
             <a:spLocks noGrp="1"/>
           </p:cNvSpPr>
@@ -1610,8 +1422,8 @@
         </p:nvSpPr>
         <p:spPr>
           <a:xfrm>
-            <a:off x="839788" y="2505075"/>
-            <a:ext cx="5157787" cy="3684588"/>
+            <a:off x="839789" y="3287331"/>
+            <a:ext cx="5157787" cy="4835169"/>
           </a:xfrm>
         </p:spPr>
         <p:txBody>
@@ -1651,18 +1463,13 @@
               <a:rPr lang="zh-CN" altLang="en-US"/>
               <a:t>第五级</a:t>
             </a:r>
-          </a:p>
-        </p:txBody>
-      </p:sp>
-      <p:sp>
-        <p:nvSpPr>
-          <p:cNvPr id="5" name="文本占位符 4">
-            <a:extLst>
-              <a:ext uri="{FF2B5EF4-FFF2-40B4-BE49-F238E27FC236}">
-                <a16:creationId xmlns:a16="http://schemas.microsoft.com/office/drawing/2014/main" id="{09A65EA3-AED5-4051-AD9F-7D583A3D7281}"/>
-              </a:ext>
-            </a:extLst>
-          </p:cNvPr>
+            <a:endParaRPr lang="en-US" dirty="0"/>
+          </a:p>
+        </p:txBody>
+      </p:sp>
+      <p:sp>
+        <p:nvSpPr>
+          <p:cNvPr id="5" name="Text Placeholder 4"/>
           <p:cNvSpPr>
             <a:spLocks noGrp="1"/>
           </p:cNvSpPr>
@@ -1672,8 +1479,8 @@
         </p:nvSpPr>
         <p:spPr>
           <a:xfrm>
-            <a:off x="6172200" y="1681163"/>
-            <a:ext cx="5183188" cy="823912"/>
+            <a:off x="6172201" y="2206137"/>
+            <a:ext cx="5183188" cy="1081194"/>
           </a:xfrm>
         </p:spPr>
         <p:txBody>
@@ -1681,39 +1488,39 @@
           <a:lstStyle>
             <a:lvl1pPr marL="0" indent="0">
               <a:buNone/>
-              <a:defRPr sz="2400" b="1"/>
+              <a:defRPr sz="3150" b="1"/>
             </a:lvl1pPr>
-            <a:lvl2pPr marL="457200" indent="0">
-              <a:buNone/>
-              <a:defRPr sz="2000" b="1"/>
+            <a:lvl2pPr marL="599984" indent="0">
+              <a:buNone/>
+              <a:defRPr sz="2625" b="1"/>
             </a:lvl2pPr>
-            <a:lvl3pPr marL="914400" indent="0">
-              <a:buNone/>
-              <a:defRPr sz="1800" b="1"/>
+            <a:lvl3pPr marL="1199967" indent="0">
+              <a:buNone/>
+              <a:defRPr sz="2362" b="1"/>
             </a:lvl3pPr>
-            <a:lvl4pPr marL="1371600" indent="0">
-              <a:buNone/>
-              <a:defRPr sz="1600" b="1"/>
+            <a:lvl4pPr marL="1799951" indent="0">
+              <a:buNone/>
+              <a:defRPr sz="2100" b="1"/>
             </a:lvl4pPr>
-            <a:lvl5pPr marL="1828800" indent="0">
-              <a:buNone/>
-              <a:defRPr sz="1600" b="1"/>
+            <a:lvl5pPr marL="2399934" indent="0">
+              <a:buNone/>
+              <a:defRPr sz="2100" b="1"/>
             </a:lvl5pPr>
-            <a:lvl6pPr marL="2286000" indent="0">
-              <a:buNone/>
-              <a:defRPr sz="1600" b="1"/>
+            <a:lvl6pPr marL="2999918" indent="0">
+              <a:buNone/>
+              <a:defRPr sz="2100" b="1"/>
             </a:lvl6pPr>
-            <a:lvl7pPr marL="2743200" indent="0">
-              <a:buNone/>
-              <a:defRPr sz="1600" b="1"/>
+            <a:lvl7pPr marL="3599901" indent="0">
+              <a:buNone/>
+              <a:defRPr sz="2100" b="1"/>
             </a:lvl7pPr>
-            <a:lvl8pPr marL="3200400" indent="0">
-              <a:buNone/>
-              <a:defRPr sz="1600" b="1"/>
+            <a:lvl8pPr marL="4199885" indent="0">
+              <a:buNone/>
+              <a:defRPr sz="2100" b="1"/>
             </a:lvl8pPr>
-            <a:lvl9pPr marL="3657600" indent="0">
-              <a:buNone/>
-              <a:defRPr sz="1600" b="1"/>
+            <a:lvl9pPr marL="4799868" indent="0">
+              <a:buNone/>
+              <a:defRPr sz="2100" b="1"/>
             </a:lvl9pPr>
           </a:lstStyle>
           <a:p>
@@ -1727,13 +1534,7 @@
       </p:sp>
       <p:sp>
         <p:nvSpPr>
-          <p:cNvPr id="6" name="内容占位符 5">
-            <a:extLst>
-              <a:ext uri="{FF2B5EF4-FFF2-40B4-BE49-F238E27FC236}">
-                <a16:creationId xmlns:a16="http://schemas.microsoft.com/office/drawing/2014/main" id="{11C07A58-ACFF-4383-A1C5-C889AF2C0E48}"/>
-              </a:ext>
-            </a:extLst>
-          </p:cNvPr>
+          <p:cNvPr id="6" name="Content Placeholder 5"/>
           <p:cNvSpPr>
             <a:spLocks noGrp="1"/>
           </p:cNvSpPr>
@@ -1743,8 +1544,8 @@
         </p:nvSpPr>
         <p:spPr>
           <a:xfrm>
-            <a:off x="6172200" y="2505075"/>
-            <a:ext cx="5183188" cy="3684588"/>
+            <a:off x="6172201" y="3287331"/>
+            <a:ext cx="5183188" cy="4835169"/>
           </a:xfrm>
         </p:spPr>
         <p:txBody>
@@ -1784,18 +1585,13 @@
               <a:rPr lang="zh-CN" altLang="en-US"/>
               <a:t>第五级</a:t>
             </a:r>
-          </a:p>
-        </p:txBody>
-      </p:sp>
-      <p:sp>
-        <p:nvSpPr>
-          <p:cNvPr id="7" name="日期占位符 6">
-            <a:extLst>
-              <a:ext uri="{FF2B5EF4-FFF2-40B4-BE49-F238E27FC236}">
-                <a16:creationId xmlns:a16="http://schemas.microsoft.com/office/drawing/2014/main" id="{4A713AAA-2CFC-4BBD-B976-9D0ED3CD8E3D}"/>
-              </a:ext>
-            </a:extLst>
-          </p:cNvPr>
+            <a:endParaRPr lang="en-US" dirty="0"/>
+          </a:p>
+        </p:txBody>
+      </p:sp>
+      <p:sp>
+        <p:nvSpPr>
+          <p:cNvPr id="7" name="Date Placeholder 6"/>
           <p:cNvSpPr>
             <a:spLocks noGrp="1"/>
           </p:cNvSpPr>
@@ -1818,13 +1614,7 @@
       </p:sp>
       <p:sp>
         <p:nvSpPr>
-          <p:cNvPr id="8" name="页脚占位符 7">
-            <a:extLst>
-              <a:ext uri="{FF2B5EF4-FFF2-40B4-BE49-F238E27FC236}">
-                <a16:creationId xmlns:a16="http://schemas.microsoft.com/office/drawing/2014/main" id="{A6D02ED2-BC8B-40BB-8A2D-9DF093D4D5AB}"/>
-              </a:ext>
-            </a:extLst>
-          </p:cNvPr>
+          <p:cNvPr id="8" name="Footer Placeholder 7"/>
           <p:cNvSpPr>
             <a:spLocks noGrp="1"/>
           </p:cNvSpPr>
@@ -1843,13 +1633,7 @@
       </p:sp>
       <p:sp>
         <p:nvSpPr>
-          <p:cNvPr id="9" name="灯片编号占位符 8">
-            <a:extLst>
-              <a:ext uri="{FF2B5EF4-FFF2-40B4-BE49-F238E27FC236}">
-                <a16:creationId xmlns:a16="http://schemas.microsoft.com/office/drawing/2014/main" id="{CD640B2A-79BB-4369-ACD9-2FD5B66FEE28}"/>
-              </a:ext>
-            </a:extLst>
-          </p:cNvPr>
+          <p:cNvPr id="9" name="Slide Number Placeholder 8"/>
           <p:cNvSpPr>
             <a:spLocks noGrp="1"/>
           </p:cNvSpPr>
@@ -1873,7 +1657,7 @@
     </p:spTree>
     <p:extLst>
       <p:ext uri="{BB962C8B-B14F-4D97-AF65-F5344CB8AC3E}">
-        <p14:creationId xmlns:p14="http://schemas.microsoft.com/office/powerpoint/2010/main" val="3064147814"/>
+        <p14:creationId xmlns:p14="http://schemas.microsoft.com/office/powerpoint/2010/main" val="2287581172"/>
       </p:ext>
     </p:extLst>
   </p:cSld>
@@ -1902,13 +1686,7 @@
       </p:grpSpPr>
       <p:sp>
         <p:nvSpPr>
-          <p:cNvPr id="2" name="标题 1">
-            <a:extLst>
-              <a:ext uri="{FF2B5EF4-FFF2-40B4-BE49-F238E27FC236}">
-                <a16:creationId xmlns:a16="http://schemas.microsoft.com/office/drawing/2014/main" id="{1F37DA32-ED39-4962-BD9D-FB61C4E1BC0C}"/>
-              </a:ext>
-            </a:extLst>
-          </p:cNvPr>
+          <p:cNvPr id="2" name="Title 1"/>
           <p:cNvSpPr>
             <a:spLocks noGrp="1"/>
           </p:cNvSpPr>
@@ -1925,18 +1703,13 @@
               <a:rPr lang="zh-CN" altLang="en-US"/>
               <a:t>单击此处编辑母版标题样式</a:t>
             </a:r>
-          </a:p>
-        </p:txBody>
-      </p:sp>
-      <p:sp>
-        <p:nvSpPr>
-          <p:cNvPr id="3" name="日期占位符 2">
-            <a:extLst>
-              <a:ext uri="{FF2B5EF4-FFF2-40B4-BE49-F238E27FC236}">
-                <a16:creationId xmlns:a16="http://schemas.microsoft.com/office/drawing/2014/main" id="{F0CF0956-F27A-4EC2-A437-5A1E5B3AA4A1}"/>
-              </a:ext>
-            </a:extLst>
-          </p:cNvPr>
+            <a:endParaRPr lang="en-US" dirty="0"/>
+          </a:p>
+        </p:txBody>
+      </p:sp>
+      <p:sp>
+        <p:nvSpPr>
+          <p:cNvPr id="3" name="Date Placeholder 2"/>
           <p:cNvSpPr>
             <a:spLocks noGrp="1"/>
           </p:cNvSpPr>
@@ -1959,13 +1732,7 @@
       </p:sp>
       <p:sp>
         <p:nvSpPr>
-          <p:cNvPr id="4" name="页脚占位符 3">
-            <a:extLst>
-              <a:ext uri="{FF2B5EF4-FFF2-40B4-BE49-F238E27FC236}">
-                <a16:creationId xmlns:a16="http://schemas.microsoft.com/office/drawing/2014/main" id="{3C54B963-BC14-49BF-8A5E-805C2733DBE1}"/>
-              </a:ext>
-            </a:extLst>
-          </p:cNvPr>
+          <p:cNvPr id="4" name="Footer Placeholder 3"/>
           <p:cNvSpPr>
             <a:spLocks noGrp="1"/>
           </p:cNvSpPr>
@@ -1984,13 +1751,7 @@
       </p:sp>
       <p:sp>
         <p:nvSpPr>
-          <p:cNvPr id="5" name="灯片编号占位符 4">
-            <a:extLst>
-              <a:ext uri="{FF2B5EF4-FFF2-40B4-BE49-F238E27FC236}">
-                <a16:creationId xmlns:a16="http://schemas.microsoft.com/office/drawing/2014/main" id="{65E3D32A-6AED-44FF-90AF-142E95E81A80}"/>
-              </a:ext>
-            </a:extLst>
-          </p:cNvPr>
+          <p:cNvPr id="5" name="Slide Number Placeholder 4"/>
           <p:cNvSpPr>
             <a:spLocks noGrp="1"/>
           </p:cNvSpPr>
@@ -2014,7 +1775,7 @@
     </p:spTree>
     <p:extLst>
       <p:ext uri="{BB962C8B-B14F-4D97-AF65-F5344CB8AC3E}">
-        <p14:creationId xmlns:p14="http://schemas.microsoft.com/office/powerpoint/2010/main" val="192617673"/>
+        <p14:creationId xmlns:p14="http://schemas.microsoft.com/office/powerpoint/2010/main" val="1707550174"/>
       </p:ext>
     </p:extLst>
   </p:cSld>
@@ -2043,13 +1804,7 @@
       </p:grpSpPr>
       <p:sp>
         <p:nvSpPr>
-          <p:cNvPr id="2" name="日期占位符 1">
-            <a:extLst>
-              <a:ext uri="{FF2B5EF4-FFF2-40B4-BE49-F238E27FC236}">
-                <a16:creationId xmlns:a16="http://schemas.microsoft.com/office/drawing/2014/main" id="{D2B0C616-248E-4DCE-B93D-232D36E4EFAA}"/>
-              </a:ext>
-            </a:extLst>
-          </p:cNvPr>
+          <p:cNvPr id="2" name="Date Placeholder 1"/>
           <p:cNvSpPr>
             <a:spLocks noGrp="1"/>
           </p:cNvSpPr>
@@ -2072,13 +1827,7 @@
       </p:sp>
       <p:sp>
         <p:nvSpPr>
-          <p:cNvPr id="3" name="页脚占位符 2">
-            <a:extLst>
-              <a:ext uri="{FF2B5EF4-FFF2-40B4-BE49-F238E27FC236}">
-                <a16:creationId xmlns:a16="http://schemas.microsoft.com/office/drawing/2014/main" id="{19A2305D-89D2-43E3-8A22-3CB78955D245}"/>
-              </a:ext>
-            </a:extLst>
-          </p:cNvPr>
+          <p:cNvPr id="3" name="Footer Placeholder 2"/>
           <p:cNvSpPr>
             <a:spLocks noGrp="1"/>
           </p:cNvSpPr>
@@ -2097,13 +1846,7 @@
       </p:sp>
       <p:sp>
         <p:nvSpPr>
-          <p:cNvPr id="4" name="灯片编号占位符 3">
-            <a:extLst>
-              <a:ext uri="{FF2B5EF4-FFF2-40B4-BE49-F238E27FC236}">
-                <a16:creationId xmlns:a16="http://schemas.microsoft.com/office/drawing/2014/main" id="{B48DA4F7-CE50-4495-A468-4BD5A1525451}"/>
-              </a:ext>
-            </a:extLst>
-          </p:cNvPr>
+          <p:cNvPr id="4" name="Slide Number Placeholder 3"/>
           <p:cNvSpPr>
             <a:spLocks noGrp="1"/>
           </p:cNvSpPr>
@@ -2127,7 +1870,7 @@
     </p:spTree>
     <p:extLst>
       <p:ext uri="{BB962C8B-B14F-4D97-AF65-F5344CB8AC3E}">
-        <p14:creationId xmlns:p14="http://schemas.microsoft.com/office/powerpoint/2010/main" val="846454220"/>
+        <p14:creationId xmlns:p14="http://schemas.microsoft.com/office/powerpoint/2010/main" val="4011969504"/>
       </p:ext>
     </p:extLst>
   </p:cSld>
@@ -2156,13 +1899,7 @@
       </p:grpSpPr>
       <p:sp>
         <p:nvSpPr>
-          <p:cNvPr id="2" name="标题 1">
-            <a:extLst>
-              <a:ext uri="{FF2B5EF4-FFF2-40B4-BE49-F238E27FC236}">
-                <a16:creationId xmlns:a16="http://schemas.microsoft.com/office/drawing/2014/main" id="{F771F1C1-6987-44AB-9CA9-4FCDF2C20BA3}"/>
-              </a:ext>
-            </a:extLst>
-          </p:cNvPr>
+          <p:cNvPr id="2" name="Title 1"/>
           <p:cNvSpPr>
             <a:spLocks noGrp="1"/>
           </p:cNvSpPr>
@@ -2172,15 +1909,15 @@
         </p:nvSpPr>
         <p:spPr>
           <a:xfrm>
-            <a:off x="839788" y="457200"/>
-            <a:ext cx="3932237" cy="1600200"/>
+            <a:off x="839788" y="599969"/>
+            <a:ext cx="3932237" cy="2099892"/>
           </a:xfrm>
         </p:spPr>
         <p:txBody>
           <a:bodyPr anchor="b"/>
           <a:lstStyle>
             <a:lvl1pPr>
-              <a:defRPr sz="3200"/>
+              <a:defRPr sz="4199"/>
             </a:lvl1pPr>
           </a:lstStyle>
           <a:p>
@@ -2188,18 +1925,13 @@
               <a:rPr lang="zh-CN" altLang="en-US"/>
               <a:t>单击此处编辑母版标题样式</a:t>
             </a:r>
-          </a:p>
-        </p:txBody>
-      </p:sp>
-      <p:sp>
-        <p:nvSpPr>
-          <p:cNvPr id="3" name="内容占位符 2">
-            <a:extLst>
-              <a:ext uri="{FF2B5EF4-FFF2-40B4-BE49-F238E27FC236}">
-                <a16:creationId xmlns:a16="http://schemas.microsoft.com/office/drawing/2014/main" id="{08AFFFBB-06D8-4E3E-9369-389FBD255020}"/>
-              </a:ext>
-            </a:extLst>
-          </p:cNvPr>
+            <a:endParaRPr lang="en-US" dirty="0"/>
+          </a:p>
+        </p:txBody>
+      </p:sp>
+      <p:sp>
+        <p:nvSpPr>
+          <p:cNvPr id="3" name="Content Placeholder 2"/>
           <p:cNvSpPr>
             <a:spLocks noGrp="1"/>
           </p:cNvSpPr>
@@ -2209,39 +1941,39 @@
         </p:nvSpPr>
         <p:spPr>
           <a:xfrm>
-            <a:off x="5183188" y="987425"/>
-            <a:ext cx="6172200" cy="4873625"/>
+            <a:off x="5183188" y="1295769"/>
+            <a:ext cx="6172200" cy="6395505"/>
           </a:xfrm>
         </p:spPr>
         <p:txBody>
           <a:bodyPr/>
           <a:lstStyle>
             <a:lvl1pPr>
-              <a:defRPr sz="3200"/>
+              <a:defRPr sz="4199"/>
             </a:lvl1pPr>
             <a:lvl2pPr>
-              <a:defRPr sz="2800"/>
+              <a:defRPr sz="3674"/>
             </a:lvl2pPr>
             <a:lvl3pPr>
-              <a:defRPr sz="2400"/>
+              <a:defRPr sz="3150"/>
             </a:lvl3pPr>
             <a:lvl4pPr>
-              <a:defRPr sz="2000"/>
+              <a:defRPr sz="2625"/>
             </a:lvl4pPr>
             <a:lvl5pPr>
-              <a:defRPr sz="2000"/>
+              <a:defRPr sz="2625"/>
             </a:lvl5pPr>
             <a:lvl6pPr>
-              <a:defRPr sz="2000"/>
+              <a:defRPr sz="2625"/>
             </a:lvl6pPr>
             <a:lvl7pPr>
-              <a:defRPr sz="2000"/>
+              <a:defRPr sz="2625"/>
             </a:lvl7pPr>
             <a:lvl8pPr>
-              <a:defRPr sz="2000"/>
+              <a:defRPr sz="2625"/>
             </a:lvl8pPr>
             <a:lvl9pPr>
-              <a:defRPr sz="2000"/>
+              <a:defRPr sz="2625"/>
             </a:lvl9pPr>
           </a:lstStyle>
           <a:p>
@@ -2278,18 +2010,13 @@
               <a:rPr lang="zh-CN" altLang="en-US"/>
               <a:t>第五级</a:t>
             </a:r>
-          </a:p>
-        </p:txBody>
-      </p:sp>
-      <p:sp>
-        <p:nvSpPr>
-          <p:cNvPr id="4" name="文本占位符 3">
-            <a:extLst>
-              <a:ext uri="{FF2B5EF4-FFF2-40B4-BE49-F238E27FC236}">
-                <a16:creationId xmlns:a16="http://schemas.microsoft.com/office/drawing/2014/main" id="{C908A064-F8F9-4271-91DE-1ACD284B7215}"/>
-              </a:ext>
-            </a:extLst>
-          </p:cNvPr>
+            <a:endParaRPr lang="en-US" dirty="0"/>
+          </a:p>
+        </p:txBody>
+      </p:sp>
+      <p:sp>
+        <p:nvSpPr>
+          <p:cNvPr id="4" name="Text Placeholder 3"/>
           <p:cNvSpPr>
             <a:spLocks noGrp="1"/>
           </p:cNvSpPr>
@@ -2299,8 +2026,8 @@
         </p:nvSpPr>
         <p:spPr>
           <a:xfrm>
-            <a:off x="839788" y="2057400"/>
-            <a:ext cx="3932237" cy="3811588"/>
+            <a:off x="839788" y="2699862"/>
+            <a:ext cx="3932237" cy="5001827"/>
           </a:xfrm>
         </p:spPr>
         <p:txBody>
@@ -2308,39 +2035,39 @@
           <a:lstStyle>
             <a:lvl1pPr marL="0" indent="0">
               <a:buNone/>
-              <a:defRPr sz="1600"/>
+              <a:defRPr sz="2100"/>
             </a:lvl1pPr>
-            <a:lvl2pPr marL="457200" indent="0">
-              <a:buNone/>
-              <a:defRPr sz="1400"/>
+            <a:lvl2pPr marL="599984" indent="0">
+              <a:buNone/>
+              <a:defRPr sz="1837"/>
             </a:lvl2pPr>
-            <a:lvl3pPr marL="914400" indent="0">
-              <a:buNone/>
-              <a:defRPr sz="1200"/>
+            <a:lvl3pPr marL="1199967" indent="0">
+              <a:buNone/>
+              <a:defRPr sz="1575"/>
             </a:lvl3pPr>
-            <a:lvl4pPr marL="1371600" indent="0">
-              <a:buNone/>
-              <a:defRPr sz="1000"/>
+            <a:lvl4pPr marL="1799951" indent="0">
+              <a:buNone/>
+              <a:defRPr sz="1312"/>
             </a:lvl4pPr>
-            <a:lvl5pPr marL="1828800" indent="0">
-              <a:buNone/>
-              <a:defRPr sz="1000"/>
+            <a:lvl5pPr marL="2399934" indent="0">
+              <a:buNone/>
+              <a:defRPr sz="1312"/>
             </a:lvl5pPr>
-            <a:lvl6pPr marL="2286000" indent="0">
-              <a:buNone/>
-              <a:defRPr sz="1000"/>
+            <a:lvl6pPr marL="2999918" indent="0">
+              <a:buNone/>
+              <a:defRPr sz="1312"/>
             </a:lvl6pPr>
-            <a:lvl7pPr marL="2743200" indent="0">
-              <a:buNone/>
-              <a:defRPr sz="1000"/>
+            <a:lvl7pPr marL="3599901" indent="0">
+              <a:buNone/>
+              <a:defRPr sz="1312"/>
             </a:lvl7pPr>
-            <a:lvl8pPr marL="3200400" indent="0">
-              <a:buNone/>
-              <a:defRPr sz="1000"/>
+            <a:lvl8pPr marL="4199885" indent="0">
+              <a:buNone/>
+              <a:defRPr sz="1312"/>
             </a:lvl8pPr>
-            <a:lvl9pPr marL="3657600" indent="0">
-              <a:buNone/>
-              <a:defRPr sz="1000"/>
+            <a:lvl9pPr marL="4799868" indent="0">
+              <a:buNone/>
+              <a:defRPr sz="1312"/>
             </a:lvl9pPr>
           </a:lstStyle>
           <a:p>
@@ -2354,13 +2081,7 @@
       </p:sp>
       <p:sp>
         <p:nvSpPr>
-          <p:cNvPr id="5" name="日期占位符 4">
-            <a:extLst>
-              <a:ext uri="{FF2B5EF4-FFF2-40B4-BE49-F238E27FC236}">
-                <a16:creationId xmlns:a16="http://schemas.microsoft.com/office/drawing/2014/main" id="{3EF9CA39-ABF9-4345-A980-0741836A1284}"/>
-              </a:ext>
-            </a:extLst>
-          </p:cNvPr>
+          <p:cNvPr id="5" name="Date Placeholder 4"/>
           <p:cNvSpPr>
             <a:spLocks noGrp="1"/>
           </p:cNvSpPr>
@@ -2383,13 +2104,7 @@
       </p:sp>
       <p:sp>
         <p:nvSpPr>
-          <p:cNvPr id="6" name="页脚占位符 5">
-            <a:extLst>
-              <a:ext uri="{FF2B5EF4-FFF2-40B4-BE49-F238E27FC236}">
-                <a16:creationId xmlns:a16="http://schemas.microsoft.com/office/drawing/2014/main" id="{7666AA98-DE94-4DD1-B38B-CC4DF0F9F154}"/>
-              </a:ext>
-            </a:extLst>
-          </p:cNvPr>
+          <p:cNvPr id="6" name="Footer Placeholder 5"/>
           <p:cNvSpPr>
             <a:spLocks noGrp="1"/>
           </p:cNvSpPr>
@@ -2408,13 +2123,7 @@
       </p:sp>
       <p:sp>
         <p:nvSpPr>
-          <p:cNvPr id="7" name="灯片编号占位符 6">
-            <a:extLst>
-              <a:ext uri="{FF2B5EF4-FFF2-40B4-BE49-F238E27FC236}">
-                <a16:creationId xmlns:a16="http://schemas.microsoft.com/office/drawing/2014/main" id="{9290D0F3-3349-48E3-BBAE-43A4878BE415}"/>
-              </a:ext>
-            </a:extLst>
-          </p:cNvPr>
+          <p:cNvPr id="7" name="Slide Number Placeholder 6"/>
           <p:cNvSpPr>
             <a:spLocks noGrp="1"/>
           </p:cNvSpPr>
@@ -2438,7 +2147,7 @@
     </p:spTree>
     <p:extLst>
       <p:ext uri="{BB962C8B-B14F-4D97-AF65-F5344CB8AC3E}">
-        <p14:creationId xmlns:p14="http://schemas.microsoft.com/office/powerpoint/2010/main" val="3762631610"/>
+        <p14:creationId xmlns:p14="http://schemas.microsoft.com/office/powerpoint/2010/main" val="983141235"/>
       </p:ext>
     </p:extLst>
   </p:cSld>
@@ -2467,13 +2176,7 @@
       </p:grpSpPr>
       <p:sp>
         <p:nvSpPr>
-          <p:cNvPr id="2" name="标题 1">
-            <a:extLst>
-              <a:ext uri="{FF2B5EF4-FFF2-40B4-BE49-F238E27FC236}">
-                <a16:creationId xmlns:a16="http://schemas.microsoft.com/office/drawing/2014/main" id="{654A656F-45F9-4EF2-A9D6-5ECB2A494E26}"/>
-              </a:ext>
-            </a:extLst>
-          </p:cNvPr>
+          <p:cNvPr id="2" name="Title 1"/>
           <p:cNvSpPr>
             <a:spLocks noGrp="1"/>
           </p:cNvSpPr>
@@ -2483,15 +2186,15 @@
         </p:nvSpPr>
         <p:spPr>
           <a:xfrm>
-            <a:off x="839788" y="457200"/>
-            <a:ext cx="3932237" cy="1600200"/>
+            <a:off x="839788" y="599969"/>
+            <a:ext cx="3932237" cy="2099892"/>
           </a:xfrm>
         </p:spPr>
         <p:txBody>
           <a:bodyPr anchor="b"/>
           <a:lstStyle>
             <a:lvl1pPr>
-              <a:defRPr sz="3200"/>
+              <a:defRPr sz="4199"/>
             </a:lvl1pPr>
           </a:lstStyle>
           <a:p>
@@ -2499,20 +2202,15 @@
               <a:rPr lang="zh-CN" altLang="en-US"/>
               <a:t>单击此处编辑母版标题样式</a:t>
             </a:r>
-          </a:p>
-        </p:txBody>
-      </p:sp>
-      <p:sp>
-        <p:nvSpPr>
-          <p:cNvPr id="3" name="图片占位符 2">
-            <a:extLst>
-              <a:ext uri="{FF2B5EF4-FFF2-40B4-BE49-F238E27FC236}">
-                <a16:creationId xmlns:a16="http://schemas.microsoft.com/office/drawing/2014/main" id="{603B05BC-A112-4561-996D-A1949DBB76AA}"/>
-              </a:ext>
-            </a:extLst>
-          </p:cNvPr>
-          <p:cNvSpPr>
-            <a:spLocks noGrp="1"/>
+            <a:endParaRPr lang="en-US" dirty="0"/>
+          </a:p>
+        </p:txBody>
+      </p:sp>
+      <p:sp>
+        <p:nvSpPr>
+          <p:cNvPr id="3" name="Picture Placeholder 2"/>
+          <p:cNvSpPr>
+            <a:spLocks noGrp="1" noChangeAspect="1"/>
           </p:cNvSpPr>
           <p:nvPr>
             <p:ph type="pic" idx="1"/>
@@ -2520,64 +2218,62 @@
         </p:nvSpPr>
         <p:spPr>
           <a:xfrm>
-            <a:off x="5183188" y="987425"/>
-            <a:ext cx="6172200" cy="4873625"/>
+            <a:off x="5183188" y="1295769"/>
+            <a:ext cx="6172200" cy="6395505"/>
           </a:xfrm>
         </p:spPr>
         <p:txBody>
-          <a:bodyPr/>
+          <a:bodyPr anchor="t"/>
           <a:lstStyle>
             <a:lvl1pPr marL="0" indent="0">
               <a:buNone/>
-              <a:defRPr sz="3200"/>
+              <a:defRPr sz="4199"/>
             </a:lvl1pPr>
-            <a:lvl2pPr marL="457200" indent="0">
-              <a:buNone/>
-              <a:defRPr sz="2800"/>
+            <a:lvl2pPr marL="599984" indent="0">
+              <a:buNone/>
+              <a:defRPr sz="3674"/>
             </a:lvl2pPr>
-            <a:lvl3pPr marL="914400" indent="0">
-              <a:buNone/>
-              <a:defRPr sz="2400"/>
+            <a:lvl3pPr marL="1199967" indent="0">
+              <a:buNone/>
+              <a:defRPr sz="3150"/>
             </a:lvl3pPr>
-            <a:lvl4pPr marL="1371600" indent="0">
-              <a:buNone/>
-              <a:defRPr sz="2000"/>
+            <a:lvl4pPr marL="1799951" indent="0">
+              <a:buNone/>
+              <a:defRPr sz="2625"/>
             </a:lvl4pPr>
-            <a:lvl5pPr marL="1828800" indent="0">
-              <a:buNone/>
-              <a:defRPr sz="2000"/>
+            <a:lvl5pPr marL="2399934" indent="0">
+              <a:buNone/>
+              <a:defRPr sz="2625"/>
             </a:lvl5pPr>
-            <a:lvl6pPr marL="2286000" indent="0">
-              <a:buNone/>
-              <a:defRPr sz="2000"/>
+            <a:lvl6pPr marL="2999918" indent="0">
+              <a:buNone/>
+              <a:defRPr sz="2625"/>
             </a:lvl6pPr>
-            <a:lvl7pPr marL="2743200" indent="0">
-              <a:buNone/>
-              <a:defRPr sz="2000"/>
+            <a:lvl7pPr marL="3599901" indent="0">
+              <a:buNone/>
+              <a:defRPr sz="2625"/>
             </a:lvl7pPr>
-            <a:lvl8pPr marL="3200400" indent="0">
-              <a:buNone/>
-              <a:defRPr sz="2000"/>
+            <a:lvl8pPr marL="4199885" indent="0">
+              <a:buNone/>
+              <a:defRPr sz="2625"/>
             </a:lvl8pPr>
-            <a:lvl9pPr marL="3657600" indent="0">
-              <a:buNone/>
-              <a:defRPr sz="2000"/>
+            <a:lvl9pPr marL="4799868" indent="0">
+              <a:buNone/>
+              <a:defRPr sz="2625"/>
             </a:lvl9pPr>
           </a:lstStyle>
           <a:p>
-            <a:endParaRPr lang="zh-CN" altLang="en-US"/>
-          </a:p>
-        </p:txBody>
-      </p:sp>
-      <p:sp>
-        <p:nvSpPr>
-          <p:cNvPr id="4" name="文本占位符 3">
-            <a:extLst>
-              <a:ext uri="{FF2B5EF4-FFF2-40B4-BE49-F238E27FC236}">
-                <a16:creationId xmlns:a16="http://schemas.microsoft.com/office/drawing/2014/main" id="{CC48F371-2DE9-430F-BFA2-1B83EF3ED135}"/>
-              </a:ext>
-            </a:extLst>
-          </p:cNvPr>
+            <a:r>
+              <a:rPr lang="zh-CN" altLang="en-US"/>
+              <a:t>单击图标添加图片</a:t>
+            </a:r>
+            <a:endParaRPr lang="en-US" dirty="0"/>
+          </a:p>
+        </p:txBody>
+      </p:sp>
+      <p:sp>
+        <p:nvSpPr>
+          <p:cNvPr id="4" name="Text Placeholder 3"/>
           <p:cNvSpPr>
             <a:spLocks noGrp="1"/>
           </p:cNvSpPr>
@@ -2587,8 +2283,8 @@
         </p:nvSpPr>
         <p:spPr>
           <a:xfrm>
-            <a:off x="839788" y="2057400"/>
-            <a:ext cx="3932237" cy="3811588"/>
+            <a:off x="839788" y="2699862"/>
+            <a:ext cx="3932237" cy="5001827"/>
           </a:xfrm>
         </p:spPr>
         <p:txBody>
@@ -2596,39 +2292,39 @@
           <a:lstStyle>
             <a:lvl1pPr marL="0" indent="0">
               <a:buNone/>
-              <a:defRPr sz="1600"/>
+              <a:defRPr sz="2100"/>
             </a:lvl1pPr>
-            <a:lvl2pPr marL="457200" indent="0">
-              <a:buNone/>
-              <a:defRPr sz="1400"/>
+            <a:lvl2pPr marL="599984" indent="0">
+              <a:buNone/>
+              <a:defRPr sz="1837"/>
             </a:lvl2pPr>
-            <a:lvl3pPr marL="914400" indent="0">
-              <a:buNone/>
-              <a:defRPr sz="1200"/>
+            <a:lvl3pPr marL="1199967" indent="0">
+              <a:buNone/>
+              <a:defRPr sz="1575"/>
             </a:lvl3pPr>
-            <a:lvl4pPr marL="1371600" indent="0">
-              <a:buNone/>
-              <a:defRPr sz="1000"/>
+            <a:lvl4pPr marL="1799951" indent="0">
+              <a:buNone/>
+              <a:defRPr sz="1312"/>
             </a:lvl4pPr>
-            <a:lvl5pPr marL="1828800" indent="0">
-              <a:buNone/>
-              <a:defRPr sz="1000"/>
+            <a:lvl5pPr marL="2399934" indent="0">
+              <a:buNone/>
+              <a:defRPr sz="1312"/>
             </a:lvl5pPr>
-            <a:lvl6pPr marL="2286000" indent="0">
-              <a:buNone/>
-              <a:defRPr sz="1000"/>
+            <a:lvl6pPr marL="2999918" indent="0">
+              <a:buNone/>
+              <a:defRPr sz="1312"/>
             </a:lvl6pPr>
-            <a:lvl7pPr marL="2743200" indent="0">
-              <a:buNone/>
-              <a:defRPr sz="1000"/>
+            <a:lvl7pPr marL="3599901" indent="0">
+              <a:buNone/>
+              <a:defRPr sz="1312"/>
             </a:lvl7pPr>
-            <a:lvl8pPr marL="3200400" indent="0">
-              <a:buNone/>
-              <a:defRPr sz="1000"/>
+            <a:lvl8pPr marL="4199885" indent="0">
+              <a:buNone/>
+              <a:defRPr sz="1312"/>
             </a:lvl8pPr>
-            <a:lvl9pPr marL="3657600" indent="0">
-              <a:buNone/>
-              <a:defRPr sz="1000"/>
+            <a:lvl9pPr marL="4799868" indent="0">
+              <a:buNone/>
+              <a:defRPr sz="1312"/>
             </a:lvl9pPr>
           </a:lstStyle>
           <a:p>
@@ -2642,13 +2338,7 @@
       </p:sp>
       <p:sp>
         <p:nvSpPr>
-          <p:cNvPr id="5" name="日期占位符 4">
-            <a:extLst>
-              <a:ext uri="{FF2B5EF4-FFF2-40B4-BE49-F238E27FC236}">
-                <a16:creationId xmlns:a16="http://schemas.microsoft.com/office/drawing/2014/main" id="{78404F6F-207A-4639-8E1B-03F545112A83}"/>
-              </a:ext>
-            </a:extLst>
-          </p:cNvPr>
+          <p:cNvPr id="5" name="Date Placeholder 4"/>
           <p:cNvSpPr>
             <a:spLocks noGrp="1"/>
           </p:cNvSpPr>
@@ -2671,13 +2361,7 @@
       </p:sp>
       <p:sp>
         <p:nvSpPr>
-          <p:cNvPr id="6" name="页脚占位符 5">
-            <a:extLst>
-              <a:ext uri="{FF2B5EF4-FFF2-40B4-BE49-F238E27FC236}">
-                <a16:creationId xmlns:a16="http://schemas.microsoft.com/office/drawing/2014/main" id="{0440BA89-485D-44F8-B89D-53738B5A2F36}"/>
-              </a:ext>
-            </a:extLst>
-          </p:cNvPr>
+          <p:cNvPr id="6" name="Footer Placeholder 5"/>
           <p:cNvSpPr>
             <a:spLocks noGrp="1"/>
           </p:cNvSpPr>
@@ -2696,13 +2380,7 @@
       </p:sp>
       <p:sp>
         <p:nvSpPr>
-          <p:cNvPr id="7" name="灯片编号占位符 6">
-            <a:extLst>
-              <a:ext uri="{FF2B5EF4-FFF2-40B4-BE49-F238E27FC236}">
-                <a16:creationId xmlns:a16="http://schemas.microsoft.com/office/drawing/2014/main" id="{3C677FE8-88C5-497E-A227-4D73D9858C01}"/>
-              </a:ext>
-            </a:extLst>
-          </p:cNvPr>
+          <p:cNvPr id="7" name="Slide Number Placeholder 6"/>
           <p:cNvSpPr>
             <a:spLocks noGrp="1"/>
           </p:cNvSpPr>
@@ -2726,7 +2404,7 @@
     </p:spTree>
     <p:extLst>
       <p:ext uri="{BB962C8B-B14F-4D97-AF65-F5344CB8AC3E}">
-        <p14:creationId xmlns:p14="http://schemas.microsoft.com/office/powerpoint/2010/main" val="731598927"/>
+        <p14:creationId xmlns:p14="http://schemas.microsoft.com/office/powerpoint/2010/main" val="1595992717"/>
       </p:ext>
     </p:extLst>
   </p:cSld>
@@ -2760,13 +2438,7 @@
       </p:grpSpPr>
       <p:sp>
         <p:nvSpPr>
-          <p:cNvPr id="2" name="标题占位符 1">
-            <a:extLst>
-              <a:ext uri="{FF2B5EF4-FFF2-40B4-BE49-F238E27FC236}">
-                <a16:creationId xmlns:a16="http://schemas.microsoft.com/office/drawing/2014/main" id="{9D38E386-19B5-4DD5-8292-A05330E86260}"/>
-              </a:ext>
-            </a:extLst>
-          </p:cNvPr>
+          <p:cNvPr id="2" name="Title Placeholder 1"/>
           <p:cNvSpPr>
             <a:spLocks noGrp="1"/>
           </p:cNvSpPr>
@@ -2776,8 +2448,8 @@
         </p:nvSpPr>
         <p:spPr>
           <a:xfrm>
-            <a:off x="838200" y="365125"/>
-            <a:ext cx="10515600" cy="1325563"/>
+            <a:off x="838200" y="479144"/>
+            <a:ext cx="10515600" cy="1739495"/>
           </a:xfrm>
           <a:prstGeom prst="rect">
             <a:avLst/>
@@ -2793,18 +2465,13 @@
               <a:rPr lang="zh-CN" altLang="en-US"/>
               <a:t>单击此处编辑母版标题样式</a:t>
             </a:r>
-          </a:p>
-        </p:txBody>
-      </p:sp>
-      <p:sp>
-        <p:nvSpPr>
-          <p:cNvPr id="3" name="文本占位符 2">
-            <a:extLst>
-              <a:ext uri="{FF2B5EF4-FFF2-40B4-BE49-F238E27FC236}">
-                <a16:creationId xmlns:a16="http://schemas.microsoft.com/office/drawing/2014/main" id="{DB166238-8BD1-419C-8712-CADDCDA65733}"/>
-              </a:ext>
-            </a:extLst>
-          </p:cNvPr>
+            <a:endParaRPr lang="en-US" dirty="0"/>
+          </a:p>
+        </p:txBody>
+      </p:sp>
+      <p:sp>
+        <p:nvSpPr>
+          <p:cNvPr id="3" name="Text Placeholder 2"/>
           <p:cNvSpPr>
             <a:spLocks noGrp="1"/>
           </p:cNvSpPr>
@@ -2814,8 +2481,8 @@
         </p:nvSpPr>
         <p:spPr>
           <a:xfrm>
-            <a:off x="838200" y="1825625"/>
-            <a:ext cx="10515600" cy="4351338"/>
+            <a:off x="838200" y="2395710"/>
+            <a:ext cx="10515600" cy="5710124"/>
           </a:xfrm>
           <a:prstGeom prst="rect">
             <a:avLst/>
@@ -2860,18 +2527,13 @@
               <a:rPr lang="zh-CN" altLang="en-US"/>
               <a:t>第五级</a:t>
             </a:r>
-          </a:p>
-        </p:txBody>
-      </p:sp>
-      <p:sp>
-        <p:nvSpPr>
-          <p:cNvPr id="4" name="日期占位符 3">
-            <a:extLst>
-              <a:ext uri="{FF2B5EF4-FFF2-40B4-BE49-F238E27FC236}">
-                <a16:creationId xmlns:a16="http://schemas.microsoft.com/office/drawing/2014/main" id="{34FF18CD-015A-4C82-A214-E6ADD26D491D}"/>
-              </a:ext>
-            </a:extLst>
-          </p:cNvPr>
+            <a:endParaRPr lang="en-US" dirty="0"/>
+          </a:p>
+        </p:txBody>
+      </p:sp>
+      <p:sp>
+        <p:nvSpPr>
+          <p:cNvPr id="4" name="Date Placeholder 3"/>
           <p:cNvSpPr>
             <a:spLocks noGrp="1"/>
           </p:cNvSpPr>
@@ -2881,8 +2543,8 @@
         </p:nvSpPr>
         <p:spPr>
           <a:xfrm>
-            <a:off x="838200" y="6356350"/>
-            <a:ext cx="2743200" cy="365125"/>
+            <a:off x="838200" y="8341240"/>
+            <a:ext cx="2743200" cy="479142"/>
           </a:xfrm>
           <a:prstGeom prst="rect">
             <a:avLst/>
@@ -2892,7 +2554,7 @@
           <a:bodyPr vert="horz" lIns="91440" tIns="45720" rIns="91440" bIns="45720" rtlCol="0" anchor="ctr"/>
           <a:lstStyle>
             <a:lvl1pPr algn="l">
-              <a:defRPr sz="1200">
+              <a:defRPr sz="1575">
                 <a:solidFill>
                   <a:schemeClr val="tx1">
                     <a:tint val="75000"/>
@@ -2912,13 +2574,7 @@
       </p:sp>
       <p:sp>
         <p:nvSpPr>
-          <p:cNvPr id="5" name="页脚占位符 4">
-            <a:extLst>
-              <a:ext uri="{FF2B5EF4-FFF2-40B4-BE49-F238E27FC236}">
-                <a16:creationId xmlns:a16="http://schemas.microsoft.com/office/drawing/2014/main" id="{3DEE4F13-CEE2-41B2-91D2-38DE8AAF512C}"/>
-              </a:ext>
-            </a:extLst>
-          </p:cNvPr>
+          <p:cNvPr id="5" name="Footer Placeholder 4"/>
           <p:cNvSpPr>
             <a:spLocks noGrp="1"/>
           </p:cNvSpPr>
@@ -2928,8 +2584,8 @@
         </p:nvSpPr>
         <p:spPr>
           <a:xfrm>
-            <a:off x="4038600" y="6356350"/>
-            <a:ext cx="4114800" cy="365125"/>
+            <a:off x="4038600" y="8341240"/>
+            <a:ext cx="4114800" cy="479142"/>
           </a:xfrm>
           <a:prstGeom prst="rect">
             <a:avLst/>
@@ -2939,7 +2595,7 @@
           <a:bodyPr vert="horz" lIns="91440" tIns="45720" rIns="91440" bIns="45720" rtlCol="0" anchor="ctr"/>
           <a:lstStyle>
             <a:lvl1pPr algn="ctr">
-              <a:defRPr sz="1200">
+              <a:defRPr sz="1575">
                 <a:solidFill>
                   <a:schemeClr val="tx1">
                     <a:tint val="75000"/>
@@ -2955,13 +2611,7 @@
       </p:sp>
       <p:sp>
         <p:nvSpPr>
-          <p:cNvPr id="6" name="灯片编号占位符 5">
-            <a:extLst>
-              <a:ext uri="{FF2B5EF4-FFF2-40B4-BE49-F238E27FC236}">
-                <a16:creationId xmlns:a16="http://schemas.microsoft.com/office/drawing/2014/main" id="{191846A1-40F9-4833-AEC9-BC2002119639}"/>
-              </a:ext>
-            </a:extLst>
-          </p:cNvPr>
+          <p:cNvPr id="6" name="Slide Number Placeholder 5"/>
           <p:cNvSpPr>
             <a:spLocks noGrp="1"/>
           </p:cNvSpPr>
@@ -2971,8 +2621,8 @@
         </p:nvSpPr>
         <p:spPr>
           <a:xfrm>
-            <a:off x="8610600" y="6356350"/>
-            <a:ext cx="2743200" cy="365125"/>
+            <a:off x="8610600" y="8341240"/>
+            <a:ext cx="2743200" cy="479142"/>
           </a:xfrm>
           <a:prstGeom prst="rect">
             <a:avLst/>
@@ -2982,7 +2632,7 @@
           <a:bodyPr vert="horz" lIns="91440" tIns="45720" rIns="91440" bIns="45720" rtlCol="0" anchor="ctr"/>
           <a:lstStyle>
             <a:lvl1pPr algn="r">
-              <a:defRPr sz="1200">
+              <a:defRPr sz="1575">
                 <a:solidFill>
                   <a:schemeClr val="tx1">
                     <a:tint val="75000"/>
@@ -3003,27 +2653,27 @@
     </p:spTree>
     <p:extLst>
       <p:ext uri="{BB962C8B-B14F-4D97-AF65-F5344CB8AC3E}">
-        <p14:creationId xmlns:p14="http://schemas.microsoft.com/office/powerpoint/2010/main" val="1339377353"/>
+        <p14:creationId xmlns:p14="http://schemas.microsoft.com/office/powerpoint/2010/main" val="3570585844"/>
       </p:ext>
     </p:extLst>
   </p:cSld>
   <p:clrMap bg1="lt1" tx1="dk1" bg2="lt2" tx2="dk2" accent1="accent1" accent2="accent2" accent3="accent3" accent4="accent4" accent5="accent5" accent6="accent6" hlink="hlink" folHlink="folHlink"/>
   <p:sldLayoutIdLst>
-    <p:sldLayoutId id="2147483649" r:id="rId1"/>
-    <p:sldLayoutId id="2147483650" r:id="rId2"/>
-    <p:sldLayoutId id="2147483651" r:id="rId3"/>
-    <p:sldLayoutId id="2147483652" r:id="rId4"/>
-    <p:sldLayoutId id="2147483653" r:id="rId5"/>
-    <p:sldLayoutId id="2147483654" r:id="rId6"/>
-    <p:sldLayoutId id="2147483655" r:id="rId7"/>
-    <p:sldLayoutId id="2147483656" r:id="rId8"/>
-    <p:sldLayoutId id="2147483657" r:id="rId9"/>
-    <p:sldLayoutId id="2147483658" r:id="rId10"/>
-    <p:sldLayoutId id="2147483659" r:id="rId11"/>
+    <p:sldLayoutId id="2147483661" r:id="rId1"/>
+    <p:sldLayoutId id="2147483662" r:id="rId2"/>
+    <p:sldLayoutId id="2147483663" r:id="rId3"/>
+    <p:sldLayoutId id="2147483664" r:id="rId4"/>
+    <p:sldLayoutId id="2147483665" r:id="rId5"/>
+    <p:sldLayoutId id="2147483666" r:id="rId6"/>
+    <p:sldLayoutId id="2147483667" r:id="rId7"/>
+    <p:sldLayoutId id="2147483668" r:id="rId8"/>
+    <p:sldLayoutId id="2147483669" r:id="rId9"/>
+    <p:sldLayoutId id="2147483670" r:id="rId10"/>
+    <p:sldLayoutId id="2147483671" r:id="rId11"/>
   </p:sldLayoutIdLst>
   <p:txStyles>
     <p:titleStyle>
-      <a:lvl1pPr algn="l" defTabSz="914400" rtl="0" eaLnBrk="1" latinLnBrk="0" hangingPunct="1">
+      <a:lvl1pPr algn="l" defTabSz="1199967" rtl="0" eaLnBrk="1" latinLnBrk="0" hangingPunct="1">
         <a:lnSpc>
           <a:spcPct val="90000"/>
         </a:lnSpc>
@@ -3031,7 +2681,7 @@
           <a:spcPct val="0"/>
         </a:spcBef>
         <a:buNone/>
-        <a:defRPr sz="4400" kern="1200">
+        <a:defRPr sz="5774" kern="1200">
           <a:solidFill>
             <a:schemeClr val="tx1"/>
           </a:solidFill>
@@ -3042,16 +2692,16 @@
       </a:lvl1pPr>
     </p:titleStyle>
     <p:bodyStyle>
-      <a:lvl1pPr marL="228600" indent="-228600" algn="l" defTabSz="914400" rtl="0" eaLnBrk="1" latinLnBrk="0" hangingPunct="1">
+      <a:lvl1pPr marL="299992" indent="-299992" algn="l" defTabSz="1199967" rtl="0" eaLnBrk="1" latinLnBrk="0" hangingPunct="1">
         <a:lnSpc>
           <a:spcPct val="90000"/>
         </a:lnSpc>
         <a:spcBef>
-          <a:spcPts val="1000"/>
+          <a:spcPts val="1312"/>
         </a:spcBef>
         <a:buFont typeface="Arial" panose="020B0604020202020204" pitchFamily="34" charset="0"/>
         <a:buChar char="•"/>
-        <a:defRPr sz="2800" kern="1200">
+        <a:defRPr sz="3674" kern="1200">
           <a:solidFill>
             <a:schemeClr val="tx1"/>
           </a:solidFill>
@@ -3060,16 +2710,16 @@
           <a:cs typeface="+mn-cs"/>
         </a:defRPr>
       </a:lvl1pPr>
-      <a:lvl2pPr marL="685800" indent="-228600" algn="l" defTabSz="914400" rtl="0" eaLnBrk="1" latinLnBrk="0" hangingPunct="1">
+      <a:lvl2pPr marL="899975" indent="-299992" algn="l" defTabSz="1199967" rtl="0" eaLnBrk="1" latinLnBrk="0" hangingPunct="1">
         <a:lnSpc>
           <a:spcPct val="90000"/>
         </a:lnSpc>
         <a:spcBef>
-          <a:spcPts val="500"/>
+          <a:spcPts val="656"/>
         </a:spcBef>
         <a:buFont typeface="Arial" panose="020B0604020202020204" pitchFamily="34" charset="0"/>
         <a:buChar char="•"/>
-        <a:defRPr sz="2400" kern="1200">
+        <a:defRPr sz="3150" kern="1200">
           <a:solidFill>
             <a:schemeClr val="tx1"/>
           </a:solidFill>
@@ -3078,16 +2728,16 @@
           <a:cs typeface="+mn-cs"/>
         </a:defRPr>
       </a:lvl2pPr>
-      <a:lvl3pPr marL="1143000" indent="-228600" algn="l" defTabSz="914400" rtl="0" eaLnBrk="1" latinLnBrk="0" hangingPunct="1">
+      <a:lvl3pPr marL="1499959" indent="-299992" algn="l" defTabSz="1199967" rtl="0" eaLnBrk="1" latinLnBrk="0" hangingPunct="1">
         <a:lnSpc>
           <a:spcPct val="90000"/>
         </a:lnSpc>
         <a:spcBef>
-          <a:spcPts val="500"/>
+          <a:spcPts val="656"/>
         </a:spcBef>
         <a:buFont typeface="Arial" panose="020B0604020202020204" pitchFamily="34" charset="0"/>
         <a:buChar char="•"/>
-        <a:defRPr sz="2000" kern="1200">
+        <a:defRPr sz="2625" kern="1200">
           <a:solidFill>
             <a:schemeClr val="tx1"/>
           </a:solidFill>
@@ -3096,16 +2746,16 @@
           <a:cs typeface="+mn-cs"/>
         </a:defRPr>
       </a:lvl3pPr>
-      <a:lvl4pPr marL="1600200" indent="-228600" algn="l" defTabSz="914400" rtl="0" eaLnBrk="1" latinLnBrk="0" hangingPunct="1">
+      <a:lvl4pPr marL="2099942" indent="-299992" algn="l" defTabSz="1199967" rtl="0" eaLnBrk="1" latinLnBrk="0" hangingPunct="1">
         <a:lnSpc>
           <a:spcPct val="90000"/>
         </a:lnSpc>
         <a:spcBef>
-          <a:spcPts val="500"/>
+          <a:spcPts val="656"/>
         </a:spcBef>
         <a:buFont typeface="Arial" panose="020B0604020202020204" pitchFamily="34" charset="0"/>
         <a:buChar char="•"/>
-        <a:defRPr sz="1800" kern="1200">
+        <a:defRPr sz="2362" kern="1200">
           <a:solidFill>
             <a:schemeClr val="tx1"/>
           </a:solidFill>
@@ -3114,16 +2764,16 @@
           <a:cs typeface="+mn-cs"/>
         </a:defRPr>
       </a:lvl4pPr>
-      <a:lvl5pPr marL="2057400" indent="-228600" algn="l" defTabSz="914400" rtl="0" eaLnBrk="1" latinLnBrk="0" hangingPunct="1">
+      <a:lvl5pPr marL="2699926" indent="-299992" algn="l" defTabSz="1199967" rtl="0" eaLnBrk="1" latinLnBrk="0" hangingPunct="1">
         <a:lnSpc>
           <a:spcPct val="90000"/>
         </a:lnSpc>
         <a:spcBef>
-          <a:spcPts val="500"/>
+          <a:spcPts val="656"/>
         </a:spcBef>
         <a:buFont typeface="Arial" panose="020B0604020202020204" pitchFamily="34" charset="0"/>
         <a:buChar char="•"/>
-        <a:defRPr sz="1800" kern="1200">
+        <a:defRPr sz="2362" kern="1200">
           <a:solidFill>
             <a:schemeClr val="tx1"/>
           </a:solidFill>
@@ -3132,16 +2782,16 @@
           <a:cs typeface="+mn-cs"/>
         </a:defRPr>
       </a:lvl5pPr>
-      <a:lvl6pPr marL="2514600" indent="-228600" algn="l" defTabSz="914400" rtl="0" eaLnBrk="1" latinLnBrk="0" hangingPunct="1">
+      <a:lvl6pPr marL="3299910" indent="-299992" algn="l" defTabSz="1199967" rtl="0" eaLnBrk="1" latinLnBrk="0" hangingPunct="1">
         <a:lnSpc>
           <a:spcPct val="90000"/>
         </a:lnSpc>
         <a:spcBef>
-          <a:spcPts val="500"/>
+          <a:spcPts val="656"/>
         </a:spcBef>
         <a:buFont typeface="Arial" panose="020B0604020202020204" pitchFamily="34" charset="0"/>
         <a:buChar char="•"/>
-        <a:defRPr sz="1800" kern="1200">
+        <a:defRPr sz="2362" kern="1200">
           <a:solidFill>
             <a:schemeClr val="tx1"/>
           </a:solidFill>
@@ -3150,16 +2800,16 @@
           <a:cs typeface="+mn-cs"/>
         </a:defRPr>
       </a:lvl6pPr>
-      <a:lvl7pPr marL="2971800" indent="-228600" algn="l" defTabSz="914400" rtl="0" eaLnBrk="1" latinLnBrk="0" hangingPunct="1">
+      <a:lvl7pPr marL="3899893" indent="-299992" algn="l" defTabSz="1199967" rtl="0" eaLnBrk="1" latinLnBrk="0" hangingPunct="1">
         <a:lnSpc>
           <a:spcPct val="90000"/>
         </a:lnSpc>
         <a:spcBef>
-          <a:spcPts val="500"/>
+          <a:spcPts val="656"/>
         </a:spcBef>
         <a:buFont typeface="Arial" panose="020B0604020202020204" pitchFamily="34" charset="0"/>
         <a:buChar char="•"/>
-        <a:defRPr sz="1800" kern="1200">
+        <a:defRPr sz="2362" kern="1200">
           <a:solidFill>
             <a:schemeClr val="tx1"/>
           </a:solidFill>
@@ -3168,16 +2818,16 @@
           <a:cs typeface="+mn-cs"/>
         </a:defRPr>
       </a:lvl7pPr>
-      <a:lvl8pPr marL="3429000" indent="-228600" algn="l" defTabSz="914400" rtl="0" eaLnBrk="1" latinLnBrk="0" hangingPunct="1">
+      <a:lvl8pPr marL="4499877" indent="-299992" algn="l" defTabSz="1199967" rtl="0" eaLnBrk="1" latinLnBrk="0" hangingPunct="1">
         <a:lnSpc>
           <a:spcPct val="90000"/>
         </a:lnSpc>
         <a:spcBef>
-          <a:spcPts val="500"/>
+          <a:spcPts val="656"/>
         </a:spcBef>
         <a:buFont typeface="Arial" panose="020B0604020202020204" pitchFamily="34" charset="0"/>
         <a:buChar char="•"/>
-        <a:defRPr sz="1800" kern="1200">
+        <a:defRPr sz="2362" kern="1200">
           <a:solidFill>
             <a:schemeClr val="tx1"/>
           </a:solidFill>
@@ -3186,16 +2836,16 @@
           <a:cs typeface="+mn-cs"/>
         </a:defRPr>
       </a:lvl8pPr>
-      <a:lvl9pPr marL="3886200" indent="-228600" algn="l" defTabSz="914400" rtl="0" eaLnBrk="1" latinLnBrk="0" hangingPunct="1">
+      <a:lvl9pPr marL="5099860" indent="-299992" algn="l" defTabSz="1199967" rtl="0" eaLnBrk="1" latinLnBrk="0" hangingPunct="1">
         <a:lnSpc>
           <a:spcPct val="90000"/>
         </a:lnSpc>
         <a:spcBef>
-          <a:spcPts val="500"/>
+          <a:spcPts val="656"/>
         </a:spcBef>
         <a:buFont typeface="Arial" panose="020B0604020202020204" pitchFamily="34" charset="0"/>
         <a:buChar char="•"/>
-        <a:defRPr sz="1800" kern="1200">
+        <a:defRPr sz="2362" kern="1200">
           <a:solidFill>
             <a:schemeClr val="tx1"/>
           </a:solidFill>
@@ -3207,10 +2857,10 @@
     </p:bodyStyle>
     <p:otherStyle>
       <a:defPPr>
-        <a:defRPr lang="zh-CN"/>
+        <a:defRPr lang="en-US"/>
       </a:defPPr>
-      <a:lvl1pPr marL="0" algn="l" defTabSz="914400" rtl="0" eaLnBrk="1" latinLnBrk="0" hangingPunct="1">
-        <a:defRPr sz="1800" kern="1200">
+      <a:lvl1pPr marL="0" algn="l" defTabSz="1199967" rtl="0" eaLnBrk="1" latinLnBrk="0" hangingPunct="1">
+        <a:defRPr sz="2362" kern="1200">
           <a:solidFill>
             <a:schemeClr val="tx1"/>
           </a:solidFill>
@@ -3219,8 +2869,8 @@
           <a:cs typeface="+mn-cs"/>
         </a:defRPr>
       </a:lvl1pPr>
-      <a:lvl2pPr marL="457200" algn="l" defTabSz="914400" rtl="0" eaLnBrk="1" latinLnBrk="0" hangingPunct="1">
-        <a:defRPr sz="1800" kern="1200">
+      <a:lvl2pPr marL="599984" algn="l" defTabSz="1199967" rtl="0" eaLnBrk="1" latinLnBrk="0" hangingPunct="1">
+        <a:defRPr sz="2362" kern="1200">
           <a:solidFill>
             <a:schemeClr val="tx1"/>
           </a:solidFill>
@@ -3229,8 +2879,8 @@
           <a:cs typeface="+mn-cs"/>
         </a:defRPr>
       </a:lvl2pPr>
-      <a:lvl3pPr marL="914400" algn="l" defTabSz="914400" rtl="0" eaLnBrk="1" latinLnBrk="0" hangingPunct="1">
-        <a:defRPr sz="1800" kern="1200">
+      <a:lvl3pPr marL="1199967" algn="l" defTabSz="1199967" rtl="0" eaLnBrk="1" latinLnBrk="0" hangingPunct="1">
+        <a:defRPr sz="2362" kern="1200">
           <a:solidFill>
             <a:schemeClr val="tx1"/>
           </a:solidFill>
@@ -3239,8 +2889,8 @@
           <a:cs typeface="+mn-cs"/>
         </a:defRPr>
       </a:lvl3pPr>
-      <a:lvl4pPr marL="1371600" algn="l" defTabSz="914400" rtl="0" eaLnBrk="1" latinLnBrk="0" hangingPunct="1">
-        <a:defRPr sz="1800" kern="1200">
+      <a:lvl4pPr marL="1799951" algn="l" defTabSz="1199967" rtl="0" eaLnBrk="1" latinLnBrk="0" hangingPunct="1">
+        <a:defRPr sz="2362" kern="1200">
           <a:solidFill>
             <a:schemeClr val="tx1"/>
           </a:solidFill>
@@ -3249,8 +2899,8 @@
           <a:cs typeface="+mn-cs"/>
         </a:defRPr>
       </a:lvl4pPr>
-      <a:lvl5pPr marL="1828800" algn="l" defTabSz="914400" rtl="0" eaLnBrk="1" latinLnBrk="0" hangingPunct="1">
-        <a:defRPr sz="1800" kern="1200">
+      <a:lvl5pPr marL="2399934" algn="l" defTabSz="1199967" rtl="0" eaLnBrk="1" latinLnBrk="0" hangingPunct="1">
+        <a:defRPr sz="2362" kern="1200">
           <a:solidFill>
             <a:schemeClr val="tx1"/>
           </a:solidFill>
@@ -3259,8 +2909,8 @@
           <a:cs typeface="+mn-cs"/>
         </a:defRPr>
       </a:lvl5pPr>
-      <a:lvl6pPr marL="2286000" algn="l" defTabSz="914400" rtl="0" eaLnBrk="1" latinLnBrk="0" hangingPunct="1">
-        <a:defRPr sz="1800" kern="1200">
+      <a:lvl6pPr marL="2999918" algn="l" defTabSz="1199967" rtl="0" eaLnBrk="1" latinLnBrk="0" hangingPunct="1">
+        <a:defRPr sz="2362" kern="1200">
           <a:solidFill>
             <a:schemeClr val="tx1"/>
           </a:solidFill>
@@ -3269,8 +2919,8 @@
           <a:cs typeface="+mn-cs"/>
         </a:defRPr>
       </a:lvl6pPr>
-      <a:lvl7pPr marL="2743200" algn="l" defTabSz="914400" rtl="0" eaLnBrk="1" latinLnBrk="0" hangingPunct="1">
-        <a:defRPr sz="1800" kern="1200">
+      <a:lvl7pPr marL="3599901" algn="l" defTabSz="1199967" rtl="0" eaLnBrk="1" latinLnBrk="0" hangingPunct="1">
+        <a:defRPr sz="2362" kern="1200">
           <a:solidFill>
             <a:schemeClr val="tx1"/>
           </a:solidFill>
@@ -3279,8 +2929,8 @@
           <a:cs typeface="+mn-cs"/>
         </a:defRPr>
       </a:lvl7pPr>
-      <a:lvl8pPr marL="3200400" algn="l" defTabSz="914400" rtl="0" eaLnBrk="1" latinLnBrk="0" hangingPunct="1">
-        <a:defRPr sz="1800" kern="1200">
+      <a:lvl8pPr marL="4199885" algn="l" defTabSz="1199967" rtl="0" eaLnBrk="1" latinLnBrk="0" hangingPunct="1">
+        <a:defRPr sz="2362" kern="1200">
           <a:solidFill>
             <a:schemeClr val="tx1"/>
           </a:solidFill>
@@ -3289,8 +2939,8 @@
           <a:cs typeface="+mn-cs"/>
         </a:defRPr>
       </a:lvl8pPr>
-      <a:lvl9pPr marL="3657600" algn="l" defTabSz="914400" rtl="0" eaLnBrk="1" latinLnBrk="0" hangingPunct="1">
-        <a:defRPr sz="1800" kern="1200">
+      <a:lvl9pPr marL="4799868" algn="l" defTabSz="1199967" rtl="0" eaLnBrk="1" latinLnBrk="0" hangingPunct="1">
+        <a:defRPr sz="2362" kern="1200">
           <a:solidFill>
             <a:schemeClr val="tx1"/>
           </a:solidFill>
@@ -3349,8 +2999,8 @@
         </p:blipFill>
         <p:spPr>
           <a:xfrm>
-            <a:off x="708399" y="1421394"/>
-            <a:ext cx="4605985" cy="3571590"/>
+            <a:off x="1429967" y="1100146"/>
+            <a:ext cx="3797331" cy="2944541"/>
           </a:xfrm>
           <a:prstGeom prst="rect">
             <a:avLst/>
@@ -3379,8 +3029,44 @@
         </p:blipFill>
         <p:spPr>
           <a:xfrm>
-            <a:off x="5413972" y="2061960"/>
-            <a:ext cx="5196689" cy="2282350"/>
+            <a:off x="5308890" y="1517680"/>
+            <a:ext cx="5453144" cy="2394984"/>
+          </a:xfrm>
+          <a:prstGeom prst="rect">
+            <a:avLst/>
+          </a:prstGeom>
+        </p:spPr>
+      </p:pic>
+      <p:pic>
+        <p:nvPicPr>
+          <p:cNvPr id="4" name="图片 3">
+            <a:extLst>
+              <a:ext uri="{FF2B5EF4-FFF2-40B4-BE49-F238E27FC236}">
+                <a16:creationId xmlns:a16="http://schemas.microsoft.com/office/drawing/2014/main" id="{D94FE421-5685-41FB-BD21-86FE16EF1ABA}"/>
+              </a:ext>
+            </a:extLst>
+          </p:cNvPr>
+          <p:cNvPicPr>
+            <a:picLocks noChangeAspect="1"/>
+          </p:cNvPicPr>
+          <p:nvPr/>
+        </p:nvPicPr>
+        <p:blipFill>
+          <a:blip r:embed="rId4">
+            <a:extLst>
+              <a:ext uri="{28A0092B-C50C-407E-A947-70E740481C1C}">
+                <a14:useLocalDpi xmlns:a14="http://schemas.microsoft.com/office/drawing/2010/main" val="0"/>
+              </a:ext>
+            </a:extLst>
+          </a:blip>
+          <a:stretch>
+            <a:fillRect/>
+          </a:stretch>
+        </p:blipFill>
+        <p:spPr>
+          <a:xfrm>
+            <a:off x="1386423" y="4044688"/>
+            <a:ext cx="9419154" cy="4186055"/>
           </a:xfrm>
           <a:prstGeom prst="rect">
             <a:avLst/>
@@ -3403,7 +3089,7 @@
 <file path=ppt/theme/theme1.xml><?xml version="1.0" encoding="utf-8"?>
 <a:theme xmlns:a="http://schemas.openxmlformats.org/drawingml/2006/main" name="Office 主题​​">
   <a:themeElements>
-    <a:clrScheme name="Office">
+    <a:clrScheme name="Office 主题​​">
       <a:dk1>
         <a:sysClr val="windowText" lastClr="000000"/>
       </a:dk1>
@@ -3441,9 +3127,9 @@
         <a:srgbClr val="954F72"/>
       </a:folHlink>
     </a:clrScheme>
-    <a:fontScheme name="Office">
+    <a:fontScheme name="Office 主题​​">
       <a:majorFont>
-        <a:latin typeface="等线 Light" panose="020F0302020204030204"/>
+        <a:latin typeface="Calibri Light" panose="020F0302020204030204"/>
         <a:ea typeface=""/>
         <a:cs typeface=""/>
         <a:font script="Jpan" typeface="游ゴシック Light"/>
@@ -3476,26 +3162,9 @@
         <a:font script="Viet" typeface="Times New Roman"/>
         <a:font script="Uigh" typeface="Microsoft Uighur"/>
         <a:font script="Geor" typeface="Sylfaen"/>
-        <a:font script="Armn" typeface="Arial"/>
-        <a:font script="Bugi" typeface="Leelawadee UI"/>
-        <a:font script="Bopo" typeface="Microsoft JhengHei"/>
-        <a:font script="Java" typeface="Javanese Text"/>
-        <a:font script="Lisu" typeface="Segoe UI"/>
-        <a:font script="Mymr" typeface="Myanmar Text"/>
-        <a:font script="Nkoo" typeface="Ebrima"/>
-        <a:font script="Olck" typeface="Nirmala UI"/>
-        <a:font script="Osma" typeface="Ebrima"/>
-        <a:font script="Phag" typeface="Phagspa"/>
-        <a:font script="Syrn" typeface="Estrangelo Edessa"/>
-        <a:font script="Syrj" typeface="Estrangelo Edessa"/>
-        <a:font script="Syre" typeface="Estrangelo Edessa"/>
-        <a:font script="Sora" typeface="Nirmala UI"/>
-        <a:font script="Tale" typeface="Microsoft Tai Le"/>
-        <a:font script="Talu" typeface="Microsoft New Tai Lue"/>
-        <a:font script="Tfng" typeface="Ebrima"/>
       </a:majorFont>
       <a:minorFont>
-        <a:latin typeface="等线" panose="020F0502020204030204"/>
+        <a:latin typeface="Calibri" panose="020F0502020204030204"/>
         <a:ea typeface=""/>
         <a:cs typeface=""/>
         <a:font script="Jpan" typeface="游ゴシック"/>
@@ -3528,26 +3197,9 @@
         <a:font script="Viet" typeface="Arial"/>
         <a:font script="Uigh" typeface="Microsoft Uighur"/>
         <a:font script="Geor" typeface="Sylfaen"/>
-        <a:font script="Armn" typeface="Arial"/>
-        <a:font script="Bugi" typeface="Leelawadee UI"/>
-        <a:font script="Bopo" typeface="Microsoft JhengHei"/>
-        <a:font script="Java" typeface="Javanese Text"/>
-        <a:font script="Lisu" typeface="Segoe UI"/>
-        <a:font script="Mymr" typeface="Myanmar Text"/>
-        <a:font script="Nkoo" typeface="Ebrima"/>
-        <a:font script="Olck" typeface="Nirmala UI"/>
-        <a:font script="Osma" typeface="Ebrima"/>
-        <a:font script="Phag" typeface="Phagspa"/>
-        <a:font script="Syrn" typeface="Estrangelo Edessa"/>
-        <a:font script="Syrj" typeface="Estrangelo Edessa"/>
-        <a:font script="Syre" typeface="Estrangelo Edessa"/>
-        <a:font script="Sora" typeface="Nirmala UI"/>
-        <a:font script="Tale" typeface="Microsoft Tai Le"/>
-        <a:font script="Talu" typeface="Microsoft New Tai Lue"/>
-        <a:font script="Tfng" typeface="Ebrima"/>
       </a:minorFont>
     </a:fontScheme>
-    <a:fmtScheme name="Office">
+    <a:fmtScheme name="Office 主题​​">
       <a:fillStyleLst>
         <a:solidFill>
           <a:schemeClr val="phClr"/>
